--- a/CPE Electives (1 - 3)/01. Lectures Notebook/00. Presentations & Text Books/01. Electives 1 to 3/06.5 Web Scraping.pptx
+++ b/CPE Electives (1 - 3)/01. Lectures Notebook/00. Presentations & Text Books/01. Electives 1 to 3/06.5 Web Scraping.pptx
@@ -5,10 +5,10 @@
     <p:sldMasterId id="2147483684" r:id="rId1"/>
   </p:sldMasterIdLst>
   <p:notesMasterIdLst>
-    <p:notesMasterId r:id="rId19"/>
+    <p:notesMasterId r:id="rId35"/>
   </p:notesMasterIdLst>
   <p:handoutMasterIdLst>
-    <p:handoutMasterId r:id="rId20"/>
+    <p:handoutMasterId r:id="rId36"/>
   </p:handoutMasterIdLst>
   <p:sldIdLst>
     <p:sldId id="258" r:id="rId2"/>
@@ -26,8 +26,24 @@
     <p:sldId id="409" r:id="rId14"/>
     <p:sldId id="410" r:id="rId15"/>
     <p:sldId id="411" r:id="rId16"/>
-    <p:sldId id="392" r:id="rId17"/>
-    <p:sldId id="314" r:id="rId18"/>
+    <p:sldId id="412" r:id="rId17"/>
+    <p:sldId id="413" r:id="rId18"/>
+    <p:sldId id="414" r:id="rId19"/>
+    <p:sldId id="415" r:id="rId20"/>
+    <p:sldId id="416" r:id="rId21"/>
+    <p:sldId id="417" r:id="rId22"/>
+    <p:sldId id="418" r:id="rId23"/>
+    <p:sldId id="419" r:id="rId24"/>
+    <p:sldId id="420" r:id="rId25"/>
+    <p:sldId id="421" r:id="rId26"/>
+    <p:sldId id="422" r:id="rId27"/>
+    <p:sldId id="423" r:id="rId28"/>
+    <p:sldId id="424" r:id="rId29"/>
+    <p:sldId id="425" r:id="rId30"/>
+    <p:sldId id="426" r:id="rId31"/>
+    <p:sldId id="427" r:id="rId32"/>
+    <p:sldId id="392" r:id="rId33"/>
+    <p:sldId id="314" r:id="rId34"/>
   </p:sldIdLst>
   <p:sldSz cx="12192000" cy="6858000"/>
   <p:notesSz cx="6858000" cy="9144000"/>
@@ -128,7 +144,7 @@
   </p:defaultTextStyle>
   <p:extLst>
     <p:ext uri="{EFAFB233-063F-42B5-8137-9DF3F51BA10A}">
-      <p15:sldGuideLst xmlns:p15="http://schemas.microsoft.com/office/powerpoint/2012/main">
+      <p15:sldGuideLst xmlns="" xmlns:p15="http://schemas.microsoft.com/office/powerpoint/2012/main">
         <p15:guide id="1" orient="horz" pos="2160">
           <p15:clr>
             <a:srgbClr val="A4A3A4"/>
@@ -142,7 +158,7 @@
       </p15:sldGuideLst>
     </p:ext>
     <p:ext uri="{2D200454-40CA-4A62-9FC3-DE9A4176ACB9}">
-      <p15:notesGuideLst xmlns:p15="http://schemas.microsoft.com/office/powerpoint/2012/main">
+      <p15:notesGuideLst xmlns="" xmlns:p15="http://schemas.microsoft.com/office/powerpoint/2012/main">
         <p15:guide id="1" orient="horz" pos="2880">
           <p15:clr>
             <a:srgbClr val="A4A3A4"/>
@@ -241,7 +257,7 @@
           <a:p>
             <a:fld id="{3B6B94FD-5702-4F25-9A4D-07294FF3292C}" type="datetimeFigureOut">
               <a:rPr lang="en-PH" smtClean="0"/>
-              <a:t>28 Feb 2025</a:t>
+              <a:t>3/2/2025</a:t>
             </a:fld>
             <a:endParaRPr lang="en-PH"/>
           </a:p>
@@ -406,7 +422,7 @@
           <a:p>
             <a:fld id="{8365AC51-C568-4371-A28D-D14CF2BCF8BA}" type="datetimeFigureOut">
               <a:rPr lang="en-US" smtClean="0"/>
-              <a:t>2/28/2025</a:t>
+              <a:t>3/2/2025</a:t>
             </a:fld>
             <a:endParaRPr lang="en-US"/>
           </a:p>
@@ -1307,7 +1323,7 @@
           <p:cNvPr id="7" name="Footer Placeholder 4">
             <a:extLst>
               <a:ext uri="{FF2B5EF4-FFF2-40B4-BE49-F238E27FC236}">
-                <a16:creationId xmlns:a16="http://schemas.microsoft.com/office/drawing/2014/main" id="{D057E4A9-8BC1-4D03-B0CD-00353C3D487D}"/>
+                <a16:creationId xmlns="" xmlns:a16="http://schemas.microsoft.com/office/drawing/2014/main" id="{D057E4A9-8BC1-4D03-B0CD-00353C3D487D}"/>
               </a:ext>
             </a:extLst>
           </p:cNvPr>
@@ -4803,7 +4819,7 @@
         <p:spPr>
           <a:xfrm>
             <a:off x="743093" y="866276"/>
-            <a:ext cx="10558668" cy="4678204"/>
+            <a:ext cx="10558668" cy="5786199"/>
           </a:xfrm>
           <a:prstGeom prst="rect">
             <a:avLst/>
@@ -4826,12 +4842,24 @@
           </a:p>
           <a:p>
             <a:r>
+              <a:rPr lang="en-US" sz="3600" b="1" dirty="0" smtClean="0"/>
+              <a:t>find</a:t>
+            </a:r>
+            <a:r>
               <a:rPr lang="en-US" sz="3600" b="1" dirty="0"/>
-              <a:t>.find() </a:t>
+              <a:t>() </a:t>
             </a:r>
             <a:r>
               <a:rPr lang="en-US" sz="3600" dirty="0"/>
-              <a:t>– locate the first occurrence of a tag that matches the criteria</a:t>
+              <a:t>– locate the </a:t>
+            </a:r>
+            <a:r>
+              <a:rPr lang="en-US" sz="3600" u="sng" dirty="0"/>
+              <a:t>first</a:t>
+            </a:r>
+            <a:r>
+              <a:rPr lang="en-US" sz="3600" dirty="0"/>
+              <a:t> occurrence of a tag that matches the criteria</a:t>
             </a:r>
           </a:p>
           <a:p>
@@ -4850,7 +4878,15 @@
                   <a:srgbClr val="C00000"/>
                 </a:solidFill>
               </a:rPr>
-              <a:t>soup.find</a:t>
+              <a:t>soup.</a:t>
+            </a:r>
+            <a:r>
+              <a:rPr lang="en-US" sz="3600" b="1" dirty="0" err="1">
+                <a:solidFill>
+                  <a:srgbClr val="C00000"/>
+                </a:solidFill>
+              </a:rPr>
+              <a:t>find</a:t>
             </a:r>
             <a:r>
               <a:rPr lang="en-US" sz="3600" dirty="0">
@@ -4868,7 +4904,15 @@
                   <a:srgbClr val="C00000"/>
                 </a:solidFill>
               </a:rPr>
-              <a:t>soup.find</a:t>
+              <a:t>soup.</a:t>
+            </a:r>
+            <a:r>
+              <a:rPr lang="en-US" sz="3600" b="1" dirty="0" err="1">
+                <a:solidFill>
+                  <a:srgbClr val="C00000"/>
+                </a:solidFill>
+              </a:rPr>
+              <a:t>find</a:t>
             </a:r>
             <a:r>
               <a:rPr lang="en-US" sz="3600" dirty="0">
@@ -4876,8 +4920,105 @@
                   <a:srgbClr val="C00000"/>
                 </a:solidFill>
               </a:rPr>
-              <a:t>(‘p’, class_ = ‘description’)</a:t>
-            </a:r>
+              <a:t>(‘p’, class_ = ‘description</a:t>
+            </a:r>
+            <a:r>
+              <a:rPr lang="en-US" sz="3600" dirty="0" smtClean="0">
+                <a:solidFill>
+                  <a:srgbClr val="C00000"/>
+                </a:solidFill>
+              </a:rPr>
+              <a:t>’)</a:t>
+            </a:r>
+          </a:p>
+          <a:p>
+            <a:r>
+              <a:rPr lang="en-US" sz="3600" dirty="0" err="1" smtClean="0">
+                <a:solidFill>
+                  <a:srgbClr val="C00000"/>
+                </a:solidFill>
+              </a:rPr>
+              <a:t>soup.</a:t>
+            </a:r>
+            <a:r>
+              <a:rPr lang="en-US" sz="3600" b="1" dirty="0" err="1" smtClean="0">
+                <a:solidFill>
+                  <a:srgbClr val="C00000"/>
+                </a:solidFill>
+              </a:rPr>
+              <a:t>find</a:t>
+            </a:r>
+            <a:r>
+              <a:rPr lang="en-US" sz="3600" dirty="0" smtClean="0">
+                <a:solidFill>
+                  <a:srgbClr val="C00000"/>
+                </a:solidFill>
+              </a:rPr>
+              <a:t>(‘div’, id=‘main’)</a:t>
+            </a:r>
+          </a:p>
+          <a:p>
+            <a:r>
+              <a:rPr lang="en-US" sz="3600" dirty="0" err="1" smtClean="0">
+                <a:solidFill>
+                  <a:srgbClr val="C00000"/>
+                </a:solidFill>
+              </a:rPr>
+              <a:t>soup.</a:t>
+            </a:r>
+            <a:r>
+              <a:rPr lang="en-US" sz="3600" b="1" dirty="0" err="1" smtClean="0">
+                <a:solidFill>
+                  <a:srgbClr val="C00000"/>
+                </a:solidFill>
+              </a:rPr>
+              <a:t>find</a:t>
+            </a:r>
+            <a:r>
+              <a:rPr lang="en-US" sz="3600" dirty="0" smtClean="0">
+                <a:solidFill>
+                  <a:srgbClr val="C00000"/>
+                </a:solidFill>
+              </a:rPr>
+              <a:t>(‘</a:t>
+            </a:r>
+            <a:r>
+              <a:rPr lang="en-US" sz="3600" dirty="0" err="1" smtClean="0">
+                <a:solidFill>
+                  <a:srgbClr val="C00000"/>
+                </a:solidFill>
+              </a:rPr>
+              <a:t>th</a:t>
+            </a:r>
+            <a:r>
+              <a:rPr lang="en-US" sz="3600" dirty="0" smtClean="0">
+                <a:solidFill>
+                  <a:srgbClr val="C00000"/>
+                </a:solidFill>
+              </a:rPr>
+              <a:t>’, </a:t>
+            </a:r>
+            <a:r>
+              <a:rPr lang="en-US" sz="3600" dirty="0" err="1" smtClean="0">
+                <a:solidFill>
+                  <a:srgbClr val="C00000"/>
+                </a:solidFill>
+              </a:rPr>
+              <a:t>attrs</a:t>
+            </a:r>
+            <a:r>
+              <a:rPr lang="en-US" sz="3600" dirty="0" smtClean="0">
+                <a:solidFill>
+                  <a:srgbClr val="C00000"/>
+                </a:solidFill>
+              </a:rPr>
+              <a:t> = {‘class’: ‘country’})</a:t>
+            </a:r>
+            <a:endParaRPr lang="en-US" sz="3600" dirty="0">
+              <a:solidFill>
+                <a:srgbClr val="C00000"/>
+              </a:solidFill>
+            </a:endParaRPr>
           </a:p>
           <a:p>
             <a:endParaRPr lang="en-US" sz="3600" dirty="0"/>
@@ -4916,14 +5057,14 @@
       </p:grpSpPr>
       <p:sp>
         <p:nvSpPr>
-          <p:cNvPr id="6" name="TextBox 5"/>
+          <p:cNvPr id="4" name="TextBox 3"/>
           <p:cNvSpPr txBox="1"/>
           <p:nvPr/>
         </p:nvSpPr>
         <p:spPr>
           <a:xfrm>
-            <a:off x="721364" y="2562078"/>
-            <a:ext cx="10749281" cy="830997"/>
+            <a:off x="743093" y="866276"/>
+            <a:ext cx="10558668" cy="4001095"/>
           </a:xfrm>
           <a:prstGeom prst="rect">
             <a:avLst/>
@@ -4936,28 +5077,91 @@
           </a:bodyPr>
           <a:lstStyle/>
           <a:p>
-            <a:pPr algn="ctr"/>
-            <a:r>
-              <a:rPr lang="en-US" sz="4800" b="1" dirty="0">
-                <a:latin typeface="Arial" pitchFamily="34" charset="0"/>
-                <a:cs typeface="Arial" pitchFamily="34" charset="0"/>
-              </a:rPr>
-              <a:t>[Code Demo]</a:t>
-            </a:r>
-            <a:endParaRPr lang="en-US" sz="3200" b="1" dirty="0">
-              <a:solidFill>
-                <a:schemeClr val="accent2"/>
-              </a:solidFill>
-              <a:latin typeface="Arial" pitchFamily="34" charset="0"/>
-              <a:cs typeface="Arial" pitchFamily="34" charset="0"/>
-            </a:endParaRPr>
+            <a:r>
+              <a:rPr lang="en-US" sz="4400" b="1" dirty="0"/>
+              <a:t>Data Extraction Methods</a:t>
+            </a:r>
+          </a:p>
+          <a:p>
+            <a:endParaRPr lang="en-US" sz="2400" b="1" dirty="0"/>
+          </a:p>
+          <a:p>
+            <a:r>
+              <a:rPr lang="en-US" sz="3600" b="1" dirty="0" smtClean="0"/>
+              <a:t>.</a:t>
+            </a:r>
+            <a:r>
+              <a:rPr lang="en-US" sz="3600" b="1" dirty="0" err="1" smtClean="0"/>
+              <a:t>find_all</a:t>
+            </a:r>
+            <a:r>
+              <a:rPr lang="en-US" sz="3600" b="1" dirty="0" smtClean="0"/>
+              <a:t>() </a:t>
+            </a:r>
+            <a:r>
+              <a:rPr lang="en-US" sz="3600" dirty="0"/>
+              <a:t>– </a:t>
+            </a:r>
+            <a:r>
+              <a:rPr lang="en-US" sz="3600" dirty="0" smtClean="0"/>
+              <a:t>locate </a:t>
+            </a:r>
+            <a:r>
+              <a:rPr lang="en-US" sz="3600" u="sng" dirty="0" smtClean="0"/>
+              <a:t>all instances</a:t>
+            </a:r>
+            <a:r>
+              <a:rPr lang="en-US" sz="3600" dirty="0" smtClean="0"/>
+              <a:t> of a tag that matches the criteria and return them as a list</a:t>
+            </a:r>
+            <a:endParaRPr lang="en-US" sz="3600" dirty="0"/>
+          </a:p>
+          <a:p>
+            <a:endParaRPr lang="en-US" sz="1400" dirty="0"/>
+          </a:p>
+          <a:p>
+            <a:r>
+              <a:rPr lang="en-US" sz="3600" dirty="0"/>
+              <a:t>Example:</a:t>
+            </a:r>
+          </a:p>
+          <a:p>
+            <a:r>
+              <a:rPr lang="en-US" sz="3200" dirty="0" err="1" smtClean="0">
+                <a:solidFill>
+                  <a:srgbClr val="C00000"/>
+                </a:solidFill>
+              </a:rPr>
+              <a:t>soup.</a:t>
+            </a:r>
+            <a:r>
+              <a:rPr lang="en-US" sz="3200" b="1" dirty="0" err="1" smtClean="0">
+                <a:solidFill>
+                  <a:srgbClr val="C00000"/>
+                </a:solidFill>
+              </a:rPr>
+              <a:t>find_all</a:t>
+            </a:r>
+            <a:r>
+              <a:rPr lang="en-US" sz="3200" dirty="0" smtClean="0">
+                <a:solidFill>
+                  <a:srgbClr val="C00000"/>
+                </a:solidFill>
+              </a:rPr>
+              <a:t>(‘p’) – </a:t>
+            </a:r>
+            <a:r>
+              <a:rPr lang="en-US" sz="3200" dirty="0" smtClean="0"/>
+              <a:t>find all &lt;p&gt; tags regardless of their attributes</a:t>
+            </a:r>
+            <a:endParaRPr lang="en-US" sz="3600" dirty="0"/>
           </a:p>
         </p:txBody>
       </p:sp>
     </p:spTree>
     <p:extLst>
       <p:ext uri="{BB962C8B-B14F-4D97-AF65-F5344CB8AC3E}">
-        <p14:creationId xmlns:p14="http://schemas.microsoft.com/office/powerpoint/2010/main" val="1237728439"/>
+        <p14:creationId xmlns:p14="http://schemas.microsoft.com/office/powerpoint/2010/main" val="4274440565"/>
       </p:ext>
     </p:extLst>
   </p:cSld>
@@ -4986,14 +5190,14 @@
       </p:grpSpPr>
       <p:sp>
         <p:nvSpPr>
-          <p:cNvPr id="6" name="TextBox 5"/>
+          <p:cNvPr id="4" name="TextBox 3"/>
           <p:cNvSpPr txBox="1"/>
           <p:nvPr/>
         </p:nvSpPr>
         <p:spPr>
           <a:xfrm>
-            <a:off x="721364" y="2562078"/>
-            <a:ext cx="10749281" cy="830997"/>
+            <a:off x="743093" y="866276"/>
+            <a:ext cx="10558668" cy="4001095"/>
           </a:xfrm>
           <a:prstGeom prst="rect">
             <a:avLst/>
@@ -5006,35 +5210,513 @@
           </a:bodyPr>
           <a:lstStyle/>
           <a:p>
-            <a:pPr algn="ctr"/>
-            <a:r>
-              <a:rPr lang="en-US" sz="4800" b="1" dirty="0">
-                <a:latin typeface="Arial" pitchFamily="34" charset="0"/>
-                <a:cs typeface="Arial" pitchFamily="34" charset="0"/>
-              </a:rPr>
-              <a:t>Thank you very much for listening</a:t>
-            </a:r>
-            <a:r>
-              <a:rPr lang="en-US" sz="3200" b="1" dirty="0">
-                <a:latin typeface="Arial" pitchFamily="34" charset="0"/>
-                <a:cs typeface="Arial" pitchFamily="34" charset="0"/>
-              </a:rPr>
+            <a:r>
+              <a:rPr lang="en-US" sz="4400" b="1" dirty="0"/>
+              <a:t>Data Extraction Methods</a:t>
+            </a:r>
+          </a:p>
+          <a:p>
+            <a:endParaRPr lang="en-US" sz="2400" b="1" dirty="0"/>
+          </a:p>
+          <a:p>
+            <a:r>
+              <a:rPr lang="en-US" sz="3600" b="1" dirty="0"/>
               <a:t>.</a:t>
             </a:r>
-            <a:endParaRPr lang="en-US" sz="3200" b="1" dirty="0">
-              <a:solidFill>
-                <a:schemeClr val="accent2"/>
-              </a:solidFill>
-              <a:latin typeface="Arial" pitchFamily="34" charset="0"/>
-              <a:cs typeface="Arial" pitchFamily="34" charset="0"/>
-            </a:endParaRPr>
+            <a:r>
+              <a:rPr lang="en-US" sz="3600" b="1" dirty="0" err="1" smtClean="0"/>
+              <a:t>find_all</a:t>
+            </a:r>
+            <a:r>
+              <a:rPr lang="en-US" sz="3600" b="1" dirty="0" smtClean="0"/>
+              <a:t>() </a:t>
+            </a:r>
+            <a:r>
+              <a:rPr lang="en-US" sz="3600" dirty="0"/>
+              <a:t>– </a:t>
+            </a:r>
+            <a:r>
+              <a:rPr lang="en-US" sz="3600" dirty="0" smtClean="0"/>
+              <a:t>locate </a:t>
+            </a:r>
+            <a:r>
+              <a:rPr lang="en-US" sz="3600" u="sng" dirty="0" smtClean="0"/>
+              <a:t>all</a:t>
+            </a:r>
+            <a:r>
+              <a:rPr lang="en-US" sz="3600" dirty="0" smtClean="0"/>
+              <a:t> instances of a tag that matches the criteria and return them as a list</a:t>
+            </a:r>
+            <a:endParaRPr lang="en-US" sz="3600" dirty="0"/>
+          </a:p>
+          <a:p>
+            <a:endParaRPr lang="en-US" sz="1400" dirty="0"/>
+          </a:p>
+          <a:p>
+            <a:r>
+              <a:rPr lang="en-US" sz="3600" dirty="0"/>
+              <a:t>Example:</a:t>
+            </a:r>
+          </a:p>
+          <a:p>
+            <a:r>
+              <a:rPr lang="en-US" sz="3200" dirty="0" err="1" smtClean="0">
+                <a:solidFill>
+                  <a:srgbClr val="C00000"/>
+                </a:solidFill>
+              </a:rPr>
+              <a:t>soup.</a:t>
+            </a:r>
+            <a:r>
+              <a:rPr lang="en-US" sz="3200" b="1" dirty="0" err="1" smtClean="0">
+                <a:solidFill>
+                  <a:srgbClr val="C00000"/>
+                </a:solidFill>
+              </a:rPr>
+              <a:t>find_all</a:t>
+            </a:r>
+            <a:r>
+              <a:rPr lang="en-US" sz="3200" dirty="0" smtClean="0">
+                <a:solidFill>
+                  <a:srgbClr val="C00000"/>
+                </a:solidFill>
+              </a:rPr>
+              <a:t>(‘p’, </a:t>
+            </a:r>
+            <a:r>
+              <a:rPr lang="en-US" sz="3200" dirty="0" err="1" smtClean="0">
+                <a:solidFill>
+                  <a:srgbClr val="C00000"/>
+                </a:solidFill>
+              </a:rPr>
+              <a:t>attrs</a:t>
+            </a:r>
+            <a:r>
+              <a:rPr lang="en-US" sz="3200" dirty="0" smtClean="0">
+                <a:solidFill>
+                  <a:srgbClr val="C00000"/>
+                </a:solidFill>
+              </a:rPr>
+              <a:t> = {‘class’: ‘intro}) – </a:t>
+            </a:r>
+            <a:r>
+              <a:rPr lang="en-US" sz="3200" dirty="0" smtClean="0"/>
+              <a:t>find all &lt;p&gt; tags with specific attribute of class=‘intro’</a:t>
+            </a:r>
+            <a:endParaRPr lang="en-US" sz="3600" dirty="0"/>
           </a:p>
         </p:txBody>
       </p:sp>
     </p:spTree>
     <p:extLst>
       <p:ext uri="{BB962C8B-B14F-4D97-AF65-F5344CB8AC3E}">
-        <p14:creationId xmlns:p14="http://schemas.microsoft.com/office/powerpoint/2010/main" val="1328378833"/>
+        <p14:creationId xmlns:p14="http://schemas.microsoft.com/office/powerpoint/2010/main" val="3558735489"/>
+      </p:ext>
+    </p:extLst>
+  </p:cSld>
+  <p:clrMapOvr>
+    <a:masterClrMapping/>
+  </p:clrMapOvr>
+</p:sld>
+</file>
+
+<file path=ppt/slides/slide18.xml><?xml version="1.0" encoding="utf-8"?>
+<p:sld xmlns:a="http://schemas.openxmlformats.org/drawingml/2006/main" xmlns:r="http://schemas.openxmlformats.org/officeDocument/2006/relationships" xmlns:p="http://schemas.openxmlformats.org/presentationml/2006/main">
+  <p:cSld>
+    <p:spTree>
+      <p:nvGrpSpPr>
+        <p:cNvPr id="1" name=""/>
+        <p:cNvGrpSpPr/>
+        <p:nvPr/>
+      </p:nvGrpSpPr>
+      <p:grpSpPr>
+        <a:xfrm>
+          <a:off x="0" y="0"/>
+          <a:ext cx="0" cy="0"/>
+          <a:chOff x="0" y="0"/>
+          <a:chExt cx="0" cy="0"/>
+        </a:xfrm>
+      </p:grpSpPr>
+      <p:sp>
+        <p:nvSpPr>
+          <p:cNvPr id="4" name="TextBox 3"/>
+          <p:cNvSpPr txBox="1"/>
+          <p:nvPr/>
+        </p:nvSpPr>
+        <p:spPr>
+          <a:xfrm>
+            <a:off x="743093" y="866276"/>
+            <a:ext cx="10558668" cy="4862870"/>
+          </a:xfrm>
+          <a:prstGeom prst="rect">
+            <a:avLst/>
+          </a:prstGeom>
+          <a:noFill/>
+        </p:spPr>
+        <p:txBody>
+          <a:bodyPr wrap="square" rtlCol="0">
+            <a:spAutoFit/>
+          </a:bodyPr>
+          <a:lstStyle/>
+          <a:p>
+            <a:r>
+              <a:rPr lang="en-US" sz="4400" b="1" dirty="0"/>
+              <a:t>Data Extraction Methods</a:t>
+            </a:r>
+          </a:p>
+          <a:p>
+            <a:endParaRPr lang="en-US" sz="2400" b="1" dirty="0"/>
+          </a:p>
+          <a:p>
+            <a:r>
+              <a:rPr lang="en-US" sz="3600" b="1" dirty="0"/>
+              <a:t>.</a:t>
+            </a:r>
+            <a:r>
+              <a:rPr lang="en-US" sz="3600" b="1" dirty="0" err="1" smtClean="0"/>
+              <a:t>find_all</a:t>
+            </a:r>
+            <a:r>
+              <a:rPr lang="en-US" sz="3600" b="1" dirty="0" smtClean="0"/>
+              <a:t>() </a:t>
+            </a:r>
+            <a:r>
+              <a:rPr lang="en-US" sz="3600" dirty="0"/>
+              <a:t>– </a:t>
+            </a:r>
+            <a:r>
+              <a:rPr lang="en-US" sz="3600" dirty="0" smtClean="0"/>
+              <a:t>locate </a:t>
+            </a:r>
+            <a:r>
+              <a:rPr lang="en-US" sz="3600" u="sng" dirty="0" smtClean="0"/>
+              <a:t>all</a:t>
+            </a:r>
+            <a:r>
+              <a:rPr lang="en-US" sz="3600" dirty="0" smtClean="0"/>
+              <a:t> instances of a tag that matches the criteria and return them as a list</a:t>
+            </a:r>
+            <a:endParaRPr lang="en-US" sz="3600" dirty="0"/>
+          </a:p>
+          <a:p>
+            <a:endParaRPr lang="en-US" sz="1400" dirty="0"/>
+          </a:p>
+          <a:p>
+            <a:r>
+              <a:rPr lang="en-US" sz="3600" dirty="0"/>
+              <a:t>Example</a:t>
+            </a:r>
+            <a:r>
+              <a:rPr lang="en-US" sz="3600" dirty="0" smtClean="0"/>
+              <a:t>:</a:t>
+            </a:r>
+          </a:p>
+          <a:p>
+            <a:r>
+              <a:rPr lang="en-US" sz="2800" dirty="0" err="1" smtClean="0">
+                <a:solidFill>
+                  <a:srgbClr val="C00000"/>
+                </a:solidFill>
+              </a:rPr>
+              <a:t>div_main</a:t>
+            </a:r>
+            <a:r>
+              <a:rPr lang="en-US" sz="2800" dirty="0" smtClean="0">
+                <a:solidFill>
+                  <a:srgbClr val="C00000"/>
+                </a:solidFill>
+              </a:rPr>
+              <a:t> = </a:t>
+            </a:r>
+            <a:r>
+              <a:rPr lang="en-US" sz="2800" dirty="0" err="1" smtClean="0">
+                <a:solidFill>
+                  <a:srgbClr val="C00000"/>
+                </a:solidFill>
+              </a:rPr>
+              <a:t>soup.find</a:t>
+            </a:r>
+            <a:r>
+              <a:rPr lang="en-US" sz="2800" dirty="0" smtClean="0">
+                <a:solidFill>
+                  <a:srgbClr val="C00000"/>
+                </a:solidFill>
+              </a:rPr>
+              <a:t>(‘div’, id = ‘main’)</a:t>
+            </a:r>
+            <a:endParaRPr lang="en-US" sz="2800" dirty="0">
+              <a:solidFill>
+                <a:srgbClr val="C00000"/>
+              </a:solidFill>
+            </a:endParaRPr>
+          </a:p>
+          <a:p>
+            <a:r>
+              <a:rPr lang="en-US" sz="2800" dirty="0" err="1" smtClean="0">
+                <a:solidFill>
+                  <a:srgbClr val="C00000"/>
+                </a:solidFill>
+              </a:rPr>
+              <a:t>all_p_recursive</a:t>
+            </a:r>
+            <a:r>
+              <a:rPr lang="en-US" sz="2800" dirty="0" smtClean="0">
+                <a:solidFill>
+                  <a:srgbClr val="C00000"/>
+                </a:solidFill>
+              </a:rPr>
+              <a:t> = </a:t>
+            </a:r>
+            <a:r>
+              <a:rPr lang="en-US" sz="2800" dirty="0" err="1" smtClean="0">
+                <a:solidFill>
+                  <a:srgbClr val="C00000"/>
+                </a:solidFill>
+              </a:rPr>
+              <a:t>div_main.</a:t>
+            </a:r>
+            <a:r>
+              <a:rPr lang="en-US" sz="2800" b="1" dirty="0" err="1" smtClean="0">
+                <a:solidFill>
+                  <a:srgbClr val="C00000"/>
+                </a:solidFill>
+              </a:rPr>
+              <a:t>find_all</a:t>
+            </a:r>
+            <a:r>
+              <a:rPr lang="en-US" sz="2800" dirty="0" smtClean="0">
+                <a:solidFill>
+                  <a:srgbClr val="C00000"/>
+                </a:solidFill>
+              </a:rPr>
+              <a:t>(‘p’, recursive = True)</a:t>
+            </a:r>
+          </a:p>
+          <a:p>
+            <a:endParaRPr lang="en-US" sz="2800" dirty="0" smtClean="0">
+              <a:solidFill>
+                <a:srgbClr val="C00000"/>
+              </a:solidFill>
+            </a:endParaRPr>
+          </a:p>
+          <a:p>
+            <a:r>
+              <a:rPr lang="en-US" sz="2800" dirty="0" smtClean="0"/>
+              <a:t>(default) searches all descendants</a:t>
+            </a:r>
+            <a:endParaRPr lang="en-US" sz="3200" dirty="0"/>
+          </a:p>
+        </p:txBody>
+      </p:sp>
+    </p:spTree>
+    <p:extLst>
+      <p:ext uri="{BB962C8B-B14F-4D97-AF65-F5344CB8AC3E}">
+        <p14:creationId xmlns:p14="http://schemas.microsoft.com/office/powerpoint/2010/main" val="2682323715"/>
+      </p:ext>
+    </p:extLst>
+  </p:cSld>
+  <p:clrMapOvr>
+    <a:masterClrMapping/>
+  </p:clrMapOvr>
+</p:sld>
+</file>
+
+<file path=ppt/slides/slide19.xml><?xml version="1.0" encoding="utf-8"?>
+<p:sld xmlns:a="http://schemas.openxmlformats.org/drawingml/2006/main" xmlns:r="http://schemas.openxmlformats.org/officeDocument/2006/relationships" xmlns:p="http://schemas.openxmlformats.org/presentationml/2006/main">
+  <p:cSld>
+    <p:spTree>
+      <p:nvGrpSpPr>
+        <p:cNvPr id="1" name=""/>
+        <p:cNvGrpSpPr/>
+        <p:nvPr/>
+      </p:nvGrpSpPr>
+      <p:grpSpPr>
+        <a:xfrm>
+          <a:off x="0" y="0"/>
+          <a:ext cx="0" cy="0"/>
+          <a:chOff x="0" y="0"/>
+          <a:chExt cx="0" cy="0"/>
+        </a:xfrm>
+      </p:grpSpPr>
+      <p:sp>
+        <p:nvSpPr>
+          <p:cNvPr id="4" name="TextBox 3"/>
+          <p:cNvSpPr txBox="1"/>
+          <p:nvPr/>
+        </p:nvSpPr>
+        <p:spPr>
+          <a:xfrm>
+            <a:off x="743093" y="866276"/>
+            <a:ext cx="10558668" cy="4862870"/>
+          </a:xfrm>
+          <a:prstGeom prst="rect">
+            <a:avLst/>
+          </a:prstGeom>
+          <a:noFill/>
+        </p:spPr>
+        <p:txBody>
+          <a:bodyPr wrap="square" rtlCol="0">
+            <a:spAutoFit/>
+          </a:bodyPr>
+          <a:lstStyle/>
+          <a:p>
+            <a:r>
+              <a:rPr lang="en-US" sz="4400" b="1" dirty="0"/>
+              <a:t>Data Extraction Methods</a:t>
+            </a:r>
+          </a:p>
+          <a:p>
+            <a:endParaRPr lang="en-US" sz="2400" b="1" dirty="0"/>
+          </a:p>
+          <a:p>
+            <a:r>
+              <a:rPr lang="en-US" sz="3600" b="1" dirty="0"/>
+              <a:t>.</a:t>
+            </a:r>
+            <a:r>
+              <a:rPr lang="en-US" sz="3600" b="1" dirty="0" err="1" smtClean="0"/>
+              <a:t>find_all</a:t>
+            </a:r>
+            <a:r>
+              <a:rPr lang="en-US" sz="3600" b="1" dirty="0" smtClean="0"/>
+              <a:t>() </a:t>
+            </a:r>
+            <a:r>
+              <a:rPr lang="en-US" sz="3600" dirty="0"/>
+              <a:t>– </a:t>
+            </a:r>
+            <a:r>
+              <a:rPr lang="en-US" sz="3600" dirty="0" smtClean="0"/>
+              <a:t>locate </a:t>
+            </a:r>
+            <a:r>
+              <a:rPr lang="en-US" sz="3600" u="sng" dirty="0" smtClean="0"/>
+              <a:t>all</a:t>
+            </a:r>
+            <a:r>
+              <a:rPr lang="en-US" sz="3600" dirty="0" smtClean="0"/>
+              <a:t> instances of a tag that matches the criteria and return them as a list</a:t>
+            </a:r>
+            <a:endParaRPr lang="en-US" sz="3600" dirty="0"/>
+          </a:p>
+          <a:p>
+            <a:endParaRPr lang="en-US" sz="1400" dirty="0"/>
+          </a:p>
+          <a:p>
+            <a:r>
+              <a:rPr lang="en-US" sz="3600" dirty="0"/>
+              <a:t>Example</a:t>
+            </a:r>
+            <a:r>
+              <a:rPr lang="en-US" sz="3600" dirty="0" smtClean="0"/>
+              <a:t>:</a:t>
+            </a:r>
+          </a:p>
+          <a:p>
+            <a:r>
+              <a:rPr lang="en-US" sz="2800" dirty="0" err="1" smtClean="0">
+                <a:solidFill>
+                  <a:srgbClr val="C00000"/>
+                </a:solidFill>
+              </a:rPr>
+              <a:t>div_main</a:t>
+            </a:r>
+            <a:r>
+              <a:rPr lang="en-US" sz="2800" dirty="0" smtClean="0">
+                <a:solidFill>
+                  <a:srgbClr val="C00000"/>
+                </a:solidFill>
+              </a:rPr>
+              <a:t> = </a:t>
+            </a:r>
+            <a:r>
+              <a:rPr lang="en-US" sz="2800" dirty="0" err="1" smtClean="0">
+                <a:solidFill>
+                  <a:srgbClr val="C00000"/>
+                </a:solidFill>
+              </a:rPr>
+              <a:t>soup.find</a:t>
+            </a:r>
+            <a:r>
+              <a:rPr lang="en-US" sz="2800" dirty="0" smtClean="0">
+                <a:solidFill>
+                  <a:srgbClr val="C00000"/>
+                </a:solidFill>
+              </a:rPr>
+              <a:t>(‘div’, id = ‘main’)</a:t>
+            </a:r>
+            <a:endParaRPr lang="en-US" sz="2800" dirty="0">
+              <a:solidFill>
+                <a:srgbClr val="C00000"/>
+              </a:solidFill>
+            </a:endParaRPr>
+          </a:p>
+          <a:p>
+            <a:r>
+              <a:rPr lang="en-US" sz="2800" dirty="0" err="1" smtClean="0">
+                <a:solidFill>
+                  <a:srgbClr val="C00000"/>
+                </a:solidFill>
+              </a:rPr>
+              <a:t>all_p_recursive</a:t>
+            </a:r>
+            <a:r>
+              <a:rPr lang="en-US" sz="2800" dirty="0" smtClean="0">
+                <a:solidFill>
+                  <a:srgbClr val="C00000"/>
+                </a:solidFill>
+              </a:rPr>
+              <a:t> = </a:t>
+            </a:r>
+            <a:r>
+              <a:rPr lang="en-US" sz="2800" dirty="0" err="1" smtClean="0">
+                <a:solidFill>
+                  <a:srgbClr val="C00000"/>
+                </a:solidFill>
+              </a:rPr>
+              <a:t>div_main.</a:t>
+            </a:r>
+            <a:r>
+              <a:rPr lang="en-US" sz="2800" b="1" dirty="0" err="1" smtClean="0">
+                <a:solidFill>
+                  <a:srgbClr val="C00000"/>
+                </a:solidFill>
+              </a:rPr>
+              <a:t>find_all</a:t>
+            </a:r>
+            <a:r>
+              <a:rPr lang="en-US" sz="2800" dirty="0" smtClean="0">
+                <a:solidFill>
+                  <a:srgbClr val="C00000"/>
+                </a:solidFill>
+              </a:rPr>
+              <a:t>(‘p’, recursive = False)</a:t>
+            </a:r>
+          </a:p>
+          <a:p>
+            <a:endParaRPr lang="en-US" sz="2800" dirty="0" smtClean="0">
+              <a:solidFill>
+                <a:srgbClr val="C00000"/>
+              </a:solidFill>
+            </a:endParaRPr>
+          </a:p>
+          <a:p>
+            <a:r>
+              <a:rPr lang="en-US" sz="2800" dirty="0"/>
+              <a:t>l</a:t>
+            </a:r>
+            <a:r>
+              <a:rPr lang="en-US" sz="2800" dirty="0" smtClean="0"/>
+              <a:t>imit the search to immediate children</a:t>
+            </a:r>
+            <a:endParaRPr lang="en-US" sz="3200" dirty="0"/>
+          </a:p>
+        </p:txBody>
+      </p:sp>
+    </p:spTree>
+    <p:extLst>
+      <p:ext uri="{BB962C8B-B14F-4D97-AF65-F5344CB8AC3E}">
+        <p14:creationId xmlns:p14="http://schemas.microsoft.com/office/powerpoint/2010/main" val="1768091411"/>
       </p:ext>
     </p:extLst>
   </p:cSld>
@@ -5143,6 +5825,1846 @@
 </p:sld>
 </file>
 
+<file path=ppt/slides/slide20.xml><?xml version="1.0" encoding="utf-8"?>
+<p:sld xmlns:a="http://schemas.openxmlformats.org/drawingml/2006/main" xmlns:r="http://schemas.openxmlformats.org/officeDocument/2006/relationships" xmlns:p="http://schemas.openxmlformats.org/presentationml/2006/main">
+  <p:cSld>
+    <p:spTree>
+      <p:nvGrpSpPr>
+        <p:cNvPr id="1" name=""/>
+        <p:cNvGrpSpPr/>
+        <p:nvPr/>
+      </p:nvGrpSpPr>
+      <p:grpSpPr>
+        <a:xfrm>
+          <a:off x="0" y="0"/>
+          <a:ext cx="0" cy="0"/>
+          <a:chOff x="0" y="0"/>
+          <a:chExt cx="0" cy="0"/>
+        </a:xfrm>
+      </p:grpSpPr>
+      <p:sp>
+        <p:nvSpPr>
+          <p:cNvPr id="4" name="TextBox 3"/>
+          <p:cNvSpPr txBox="1"/>
+          <p:nvPr/>
+        </p:nvSpPr>
+        <p:spPr>
+          <a:xfrm>
+            <a:off x="743093" y="866276"/>
+            <a:ext cx="10558668" cy="4308872"/>
+          </a:xfrm>
+          <a:prstGeom prst="rect">
+            <a:avLst/>
+          </a:prstGeom>
+          <a:noFill/>
+        </p:spPr>
+        <p:txBody>
+          <a:bodyPr wrap="square" rtlCol="0">
+            <a:spAutoFit/>
+          </a:bodyPr>
+          <a:lstStyle/>
+          <a:p>
+            <a:r>
+              <a:rPr lang="en-US" sz="4400" b="1" dirty="0"/>
+              <a:t>Data Extraction Methods</a:t>
+            </a:r>
+          </a:p>
+          <a:p>
+            <a:endParaRPr lang="en-US" sz="2400" b="1" dirty="0"/>
+          </a:p>
+          <a:p>
+            <a:r>
+              <a:rPr lang="en-US" sz="3600" b="1" dirty="0"/>
+              <a:t>.</a:t>
+            </a:r>
+            <a:r>
+              <a:rPr lang="en-US" sz="3600" b="1" dirty="0" err="1" smtClean="0"/>
+              <a:t>find_all</a:t>
+            </a:r>
+            <a:r>
+              <a:rPr lang="en-US" sz="3600" b="1" dirty="0" smtClean="0"/>
+              <a:t>() </a:t>
+            </a:r>
+            <a:r>
+              <a:rPr lang="en-US" sz="3600" dirty="0"/>
+              <a:t>– </a:t>
+            </a:r>
+            <a:r>
+              <a:rPr lang="en-US" sz="3600" dirty="0" smtClean="0"/>
+              <a:t>locate </a:t>
+            </a:r>
+            <a:r>
+              <a:rPr lang="en-US" sz="3600" u="sng" dirty="0" smtClean="0"/>
+              <a:t>all</a:t>
+            </a:r>
+            <a:r>
+              <a:rPr lang="en-US" sz="3600" dirty="0" smtClean="0"/>
+              <a:t> instances of a tag that matches the criteria and return them as a list</a:t>
+            </a:r>
+            <a:endParaRPr lang="en-US" sz="3600" dirty="0"/>
+          </a:p>
+          <a:p>
+            <a:endParaRPr lang="en-US" sz="1400" dirty="0"/>
+          </a:p>
+          <a:p>
+            <a:r>
+              <a:rPr lang="en-US" sz="3600" dirty="0"/>
+              <a:t>Example</a:t>
+            </a:r>
+            <a:r>
+              <a:rPr lang="en-US" sz="3600" dirty="0" smtClean="0"/>
+              <a:t>:</a:t>
+            </a:r>
+          </a:p>
+          <a:p>
+            <a:r>
+              <a:rPr lang="en-US" sz="2800" dirty="0" err="1" smtClean="0">
+                <a:solidFill>
+                  <a:srgbClr val="C00000"/>
+                </a:solidFill>
+              </a:rPr>
+              <a:t>soup.</a:t>
+            </a:r>
+            <a:r>
+              <a:rPr lang="en-US" sz="2800" b="1" dirty="0" err="1" smtClean="0">
+                <a:solidFill>
+                  <a:srgbClr val="C00000"/>
+                </a:solidFill>
+              </a:rPr>
+              <a:t>find_all</a:t>
+            </a:r>
+            <a:r>
+              <a:rPr lang="en-US" sz="2800" dirty="0" smtClean="0">
+                <a:solidFill>
+                  <a:srgbClr val="C00000"/>
+                </a:solidFill>
+              </a:rPr>
+              <a:t>(‘p’, string = ‘Hello’)</a:t>
+            </a:r>
+          </a:p>
+          <a:p>
+            <a:endParaRPr lang="en-US" sz="2800" dirty="0" smtClean="0">
+              <a:solidFill>
+                <a:srgbClr val="C00000"/>
+              </a:solidFill>
+            </a:endParaRPr>
+          </a:p>
+          <a:p>
+            <a:r>
+              <a:rPr lang="en-US" sz="2800" dirty="0" smtClean="0"/>
+              <a:t>&lt;p&gt; tags whose text </a:t>
+            </a:r>
+            <a:r>
+              <a:rPr lang="en-US" sz="2800" u="sng" dirty="0" smtClean="0"/>
+              <a:t>exactly</a:t>
+            </a:r>
+            <a:r>
+              <a:rPr lang="en-US" sz="2800" dirty="0" smtClean="0"/>
+              <a:t> matches ‘Hello’</a:t>
+            </a:r>
+            <a:endParaRPr lang="en-US" sz="2800" dirty="0"/>
+          </a:p>
+        </p:txBody>
+      </p:sp>
+    </p:spTree>
+    <p:extLst>
+      <p:ext uri="{BB962C8B-B14F-4D97-AF65-F5344CB8AC3E}">
+        <p14:creationId xmlns:p14="http://schemas.microsoft.com/office/powerpoint/2010/main" val="3816412610"/>
+      </p:ext>
+    </p:extLst>
+  </p:cSld>
+  <p:clrMapOvr>
+    <a:masterClrMapping/>
+  </p:clrMapOvr>
+</p:sld>
+</file>
+
+<file path=ppt/slides/slide21.xml><?xml version="1.0" encoding="utf-8"?>
+<p:sld xmlns:a="http://schemas.openxmlformats.org/drawingml/2006/main" xmlns:r="http://schemas.openxmlformats.org/officeDocument/2006/relationships" xmlns:p="http://schemas.openxmlformats.org/presentationml/2006/main">
+  <p:cSld>
+    <p:spTree>
+      <p:nvGrpSpPr>
+        <p:cNvPr id="1" name=""/>
+        <p:cNvGrpSpPr/>
+        <p:nvPr/>
+      </p:nvGrpSpPr>
+      <p:grpSpPr>
+        <a:xfrm>
+          <a:off x="0" y="0"/>
+          <a:ext cx="0" cy="0"/>
+          <a:chOff x="0" y="0"/>
+          <a:chExt cx="0" cy="0"/>
+        </a:xfrm>
+      </p:grpSpPr>
+      <p:sp>
+        <p:nvSpPr>
+          <p:cNvPr id="4" name="TextBox 3"/>
+          <p:cNvSpPr txBox="1"/>
+          <p:nvPr/>
+        </p:nvSpPr>
+        <p:spPr>
+          <a:xfrm>
+            <a:off x="743093" y="866276"/>
+            <a:ext cx="10558668" cy="4308872"/>
+          </a:xfrm>
+          <a:prstGeom prst="rect">
+            <a:avLst/>
+          </a:prstGeom>
+          <a:noFill/>
+        </p:spPr>
+        <p:txBody>
+          <a:bodyPr wrap="square" rtlCol="0">
+            <a:spAutoFit/>
+          </a:bodyPr>
+          <a:lstStyle/>
+          <a:p>
+            <a:r>
+              <a:rPr lang="en-US" sz="4400" b="1" dirty="0"/>
+              <a:t>Data Extraction Methods</a:t>
+            </a:r>
+          </a:p>
+          <a:p>
+            <a:endParaRPr lang="en-US" sz="2400" b="1" dirty="0"/>
+          </a:p>
+          <a:p>
+            <a:r>
+              <a:rPr lang="en-US" sz="3600" b="1" dirty="0"/>
+              <a:t>.</a:t>
+            </a:r>
+            <a:r>
+              <a:rPr lang="en-US" sz="3600" b="1" dirty="0" err="1" smtClean="0"/>
+              <a:t>find_all</a:t>
+            </a:r>
+            <a:r>
+              <a:rPr lang="en-US" sz="3600" b="1" dirty="0" smtClean="0"/>
+              <a:t>() </a:t>
+            </a:r>
+            <a:r>
+              <a:rPr lang="en-US" sz="3600" dirty="0"/>
+              <a:t>– </a:t>
+            </a:r>
+            <a:r>
+              <a:rPr lang="en-US" sz="3600" dirty="0" smtClean="0"/>
+              <a:t>locate </a:t>
+            </a:r>
+            <a:r>
+              <a:rPr lang="en-US" sz="3600" u="sng" dirty="0" smtClean="0"/>
+              <a:t>all</a:t>
+            </a:r>
+            <a:r>
+              <a:rPr lang="en-US" sz="3600" dirty="0" smtClean="0"/>
+              <a:t> instances of a tag that matches the criteria and return them as a list</a:t>
+            </a:r>
+            <a:endParaRPr lang="en-US" sz="3600" dirty="0"/>
+          </a:p>
+          <a:p>
+            <a:endParaRPr lang="en-US" sz="1400" dirty="0"/>
+          </a:p>
+          <a:p>
+            <a:r>
+              <a:rPr lang="en-US" sz="3600" dirty="0"/>
+              <a:t>Example</a:t>
+            </a:r>
+            <a:r>
+              <a:rPr lang="en-US" sz="3600" dirty="0" smtClean="0"/>
+              <a:t>:</a:t>
+            </a:r>
+          </a:p>
+          <a:p>
+            <a:r>
+              <a:rPr lang="en-US" sz="2800" dirty="0" err="1" smtClean="0">
+                <a:solidFill>
+                  <a:srgbClr val="C00000"/>
+                </a:solidFill>
+              </a:rPr>
+              <a:t>soup.find_all</a:t>
+            </a:r>
+            <a:r>
+              <a:rPr lang="en-US" sz="2800" dirty="0" smtClean="0">
+                <a:solidFill>
+                  <a:srgbClr val="C00000"/>
+                </a:solidFill>
+              </a:rPr>
+              <a:t>(‘p’, string = </a:t>
+            </a:r>
+            <a:r>
+              <a:rPr lang="en-US" sz="2800" dirty="0" err="1" smtClean="0">
+                <a:solidFill>
+                  <a:srgbClr val="C00000"/>
+                </a:solidFill>
+              </a:rPr>
+              <a:t>re.compile</a:t>
+            </a:r>
+            <a:r>
+              <a:rPr lang="en-US" sz="2800" dirty="0" smtClean="0">
+                <a:solidFill>
+                  <a:srgbClr val="C00000"/>
+                </a:solidFill>
+              </a:rPr>
+              <a:t>(‘Hello’))</a:t>
+            </a:r>
+          </a:p>
+          <a:p>
+            <a:endParaRPr lang="en-US" sz="2800" dirty="0" smtClean="0">
+              <a:solidFill>
+                <a:srgbClr val="C00000"/>
+              </a:solidFill>
+            </a:endParaRPr>
+          </a:p>
+          <a:p>
+            <a:r>
+              <a:rPr lang="en-US" sz="2800" dirty="0" smtClean="0"/>
+              <a:t>&lt;p&gt; tags whose text contains ‘Hello’</a:t>
+            </a:r>
+            <a:endParaRPr lang="en-US" sz="2800" dirty="0"/>
+          </a:p>
+        </p:txBody>
+      </p:sp>
+    </p:spTree>
+    <p:extLst>
+      <p:ext uri="{BB962C8B-B14F-4D97-AF65-F5344CB8AC3E}">
+        <p14:creationId xmlns:p14="http://schemas.microsoft.com/office/powerpoint/2010/main" val="3287570807"/>
+      </p:ext>
+    </p:extLst>
+  </p:cSld>
+  <p:clrMapOvr>
+    <a:masterClrMapping/>
+  </p:clrMapOvr>
+</p:sld>
+</file>
+
+<file path=ppt/slides/slide22.xml><?xml version="1.0" encoding="utf-8"?>
+<p:sld xmlns:a="http://schemas.openxmlformats.org/drawingml/2006/main" xmlns:r="http://schemas.openxmlformats.org/officeDocument/2006/relationships" xmlns:p="http://schemas.openxmlformats.org/presentationml/2006/main">
+  <p:cSld>
+    <p:spTree>
+      <p:nvGrpSpPr>
+        <p:cNvPr id="1" name=""/>
+        <p:cNvGrpSpPr/>
+        <p:nvPr/>
+      </p:nvGrpSpPr>
+      <p:grpSpPr>
+        <a:xfrm>
+          <a:off x="0" y="0"/>
+          <a:ext cx="0" cy="0"/>
+          <a:chOff x="0" y="0"/>
+          <a:chExt cx="0" cy="0"/>
+        </a:xfrm>
+      </p:grpSpPr>
+      <p:sp>
+        <p:nvSpPr>
+          <p:cNvPr id="4" name="TextBox 3"/>
+          <p:cNvSpPr txBox="1"/>
+          <p:nvPr/>
+        </p:nvSpPr>
+        <p:spPr>
+          <a:xfrm>
+            <a:off x="743093" y="866276"/>
+            <a:ext cx="10558668" cy="4308872"/>
+          </a:xfrm>
+          <a:prstGeom prst="rect">
+            <a:avLst/>
+          </a:prstGeom>
+          <a:noFill/>
+        </p:spPr>
+        <p:txBody>
+          <a:bodyPr wrap="square" rtlCol="0">
+            <a:spAutoFit/>
+          </a:bodyPr>
+          <a:lstStyle/>
+          <a:p>
+            <a:r>
+              <a:rPr lang="en-US" sz="4400" b="1" dirty="0"/>
+              <a:t>Data Extraction Methods</a:t>
+            </a:r>
+          </a:p>
+          <a:p>
+            <a:endParaRPr lang="en-US" sz="2400" b="1" dirty="0"/>
+          </a:p>
+          <a:p>
+            <a:r>
+              <a:rPr lang="en-US" sz="3600" b="1" dirty="0"/>
+              <a:t>.</a:t>
+            </a:r>
+            <a:r>
+              <a:rPr lang="en-US" sz="3600" b="1" dirty="0" err="1" smtClean="0"/>
+              <a:t>find_all</a:t>
+            </a:r>
+            <a:r>
+              <a:rPr lang="en-US" sz="3600" b="1" dirty="0" smtClean="0"/>
+              <a:t>() </a:t>
+            </a:r>
+            <a:r>
+              <a:rPr lang="en-US" sz="3600" dirty="0"/>
+              <a:t>– </a:t>
+            </a:r>
+            <a:r>
+              <a:rPr lang="en-US" sz="3600" dirty="0" smtClean="0"/>
+              <a:t>locate </a:t>
+            </a:r>
+            <a:r>
+              <a:rPr lang="en-US" sz="3600" u="sng" dirty="0" smtClean="0"/>
+              <a:t>all</a:t>
+            </a:r>
+            <a:r>
+              <a:rPr lang="en-US" sz="3600" dirty="0" smtClean="0"/>
+              <a:t> instances of a tag that matches the criteria and return them as a list</a:t>
+            </a:r>
+            <a:endParaRPr lang="en-US" sz="3600" dirty="0"/>
+          </a:p>
+          <a:p>
+            <a:endParaRPr lang="en-US" sz="1400" dirty="0"/>
+          </a:p>
+          <a:p>
+            <a:r>
+              <a:rPr lang="en-US" sz="3600" dirty="0"/>
+              <a:t>Example</a:t>
+            </a:r>
+            <a:r>
+              <a:rPr lang="en-US" sz="3600" dirty="0" smtClean="0"/>
+              <a:t>:</a:t>
+            </a:r>
+          </a:p>
+          <a:p>
+            <a:r>
+              <a:rPr lang="en-US" sz="2800" dirty="0" err="1" smtClean="0">
+                <a:solidFill>
+                  <a:srgbClr val="C00000"/>
+                </a:solidFill>
+              </a:rPr>
+              <a:t>soup.</a:t>
+            </a:r>
+            <a:r>
+              <a:rPr lang="en-US" sz="2800" b="1" dirty="0" err="1" smtClean="0">
+                <a:solidFill>
+                  <a:srgbClr val="C00000"/>
+                </a:solidFill>
+              </a:rPr>
+              <a:t>find_all</a:t>
+            </a:r>
+            <a:r>
+              <a:rPr lang="en-US" sz="2800" dirty="0" smtClean="0">
+                <a:solidFill>
+                  <a:srgbClr val="C00000"/>
+                </a:solidFill>
+              </a:rPr>
+              <a:t>(‘p’, limit = 2)</a:t>
+            </a:r>
+          </a:p>
+          <a:p>
+            <a:endParaRPr lang="en-US" sz="2800" dirty="0" smtClean="0">
+              <a:solidFill>
+                <a:srgbClr val="C00000"/>
+              </a:solidFill>
+            </a:endParaRPr>
+          </a:p>
+          <a:p>
+            <a:r>
+              <a:rPr lang="en-US" sz="2800" dirty="0" smtClean="0"/>
+              <a:t>&lt;p&gt; tags returned to the first two matches</a:t>
+            </a:r>
+            <a:endParaRPr lang="en-US" sz="2800" dirty="0"/>
+          </a:p>
+        </p:txBody>
+      </p:sp>
+    </p:spTree>
+    <p:extLst>
+      <p:ext uri="{BB962C8B-B14F-4D97-AF65-F5344CB8AC3E}">
+        <p14:creationId xmlns:p14="http://schemas.microsoft.com/office/powerpoint/2010/main" val="3435501365"/>
+      </p:ext>
+    </p:extLst>
+  </p:cSld>
+  <p:clrMapOvr>
+    <a:masterClrMapping/>
+  </p:clrMapOvr>
+</p:sld>
+</file>
+
+<file path=ppt/slides/slide23.xml><?xml version="1.0" encoding="utf-8"?>
+<p:sld xmlns:a="http://schemas.openxmlformats.org/drawingml/2006/main" xmlns:r="http://schemas.openxmlformats.org/officeDocument/2006/relationships" xmlns:p="http://schemas.openxmlformats.org/presentationml/2006/main">
+  <p:cSld>
+    <p:spTree>
+      <p:nvGrpSpPr>
+        <p:cNvPr id="1" name=""/>
+        <p:cNvGrpSpPr/>
+        <p:nvPr/>
+      </p:nvGrpSpPr>
+      <p:grpSpPr>
+        <a:xfrm>
+          <a:off x="0" y="0"/>
+          <a:ext cx="0" cy="0"/>
+          <a:chOff x="0" y="0"/>
+          <a:chExt cx="0" cy="0"/>
+        </a:xfrm>
+      </p:grpSpPr>
+      <p:sp>
+        <p:nvSpPr>
+          <p:cNvPr id="4" name="TextBox 3"/>
+          <p:cNvSpPr txBox="1"/>
+          <p:nvPr/>
+        </p:nvSpPr>
+        <p:spPr>
+          <a:xfrm>
+            <a:off x="743093" y="866276"/>
+            <a:ext cx="10558668" cy="3323987"/>
+          </a:xfrm>
+          <a:prstGeom prst="rect">
+            <a:avLst/>
+          </a:prstGeom>
+          <a:noFill/>
+        </p:spPr>
+        <p:txBody>
+          <a:bodyPr wrap="square" rtlCol="0">
+            <a:spAutoFit/>
+          </a:bodyPr>
+          <a:lstStyle/>
+          <a:p>
+            <a:r>
+              <a:rPr lang="en-US" sz="4400" b="1" dirty="0"/>
+              <a:t>Data Extraction Methods</a:t>
+            </a:r>
+          </a:p>
+          <a:p>
+            <a:endParaRPr lang="en-US" sz="2400" b="1" dirty="0"/>
+          </a:p>
+          <a:p>
+            <a:r>
+              <a:rPr lang="en-US" sz="3600" b="1" dirty="0" smtClean="0"/>
+              <a:t>.select() </a:t>
+            </a:r>
+            <a:r>
+              <a:rPr lang="en-US" sz="3600" dirty="0" smtClean="0"/>
+              <a:t>– extract elements using </a:t>
+            </a:r>
+            <a:r>
+              <a:rPr lang="en-US" sz="3600" u="sng" dirty="0" smtClean="0"/>
+              <a:t>CSS selectors </a:t>
+            </a:r>
+            <a:endParaRPr lang="en-US" sz="3600" u="sng" dirty="0"/>
+          </a:p>
+          <a:p>
+            <a:endParaRPr lang="en-US" sz="1400" dirty="0"/>
+          </a:p>
+          <a:p>
+            <a:r>
+              <a:rPr lang="en-US" sz="3600" dirty="0"/>
+              <a:t>Example</a:t>
+            </a:r>
+            <a:r>
+              <a:rPr lang="en-US" sz="3600" dirty="0" smtClean="0"/>
+              <a:t>:</a:t>
+            </a:r>
+          </a:p>
+          <a:p>
+            <a:r>
+              <a:rPr lang="en-US" sz="2800" dirty="0" err="1" smtClean="0">
+                <a:solidFill>
+                  <a:srgbClr val="C00000"/>
+                </a:solidFill>
+              </a:rPr>
+              <a:t>soup.</a:t>
+            </a:r>
+            <a:r>
+              <a:rPr lang="en-US" sz="2800" b="1" dirty="0" err="1" smtClean="0">
+                <a:solidFill>
+                  <a:srgbClr val="C00000"/>
+                </a:solidFill>
+              </a:rPr>
+              <a:t>select</a:t>
+            </a:r>
+            <a:r>
+              <a:rPr lang="en-US" sz="2800" dirty="0" smtClean="0">
+                <a:solidFill>
+                  <a:srgbClr val="C00000"/>
+                </a:solidFill>
+              </a:rPr>
+              <a:t>(‘</a:t>
+            </a:r>
+            <a:r>
+              <a:rPr lang="en-US" sz="2800" dirty="0" err="1" smtClean="0">
+                <a:solidFill>
+                  <a:srgbClr val="C00000"/>
+                </a:solidFill>
+              </a:rPr>
+              <a:t>div#main</a:t>
+            </a:r>
+            <a:r>
+              <a:rPr lang="en-US" sz="2800" dirty="0" smtClean="0">
+                <a:solidFill>
+                  <a:srgbClr val="C00000"/>
+                </a:solidFill>
+              </a:rPr>
+              <a:t> </a:t>
+            </a:r>
+            <a:r>
+              <a:rPr lang="en-US" sz="2800" dirty="0" err="1" smtClean="0">
+                <a:solidFill>
+                  <a:srgbClr val="C00000"/>
+                </a:solidFill>
+              </a:rPr>
+              <a:t>p.description</a:t>
+            </a:r>
+            <a:r>
+              <a:rPr lang="en-US" sz="2800" dirty="0" smtClean="0">
+                <a:solidFill>
+                  <a:srgbClr val="C00000"/>
+                </a:solidFill>
+              </a:rPr>
+              <a:t>’)</a:t>
+            </a:r>
+          </a:p>
+          <a:p>
+            <a:r>
+              <a:rPr lang="en-US" sz="2800" dirty="0" err="1" smtClean="0">
+                <a:solidFill>
+                  <a:srgbClr val="C00000"/>
+                </a:solidFill>
+              </a:rPr>
+              <a:t>soup.</a:t>
+            </a:r>
+            <a:r>
+              <a:rPr lang="en-US" sz="2800" b="1" dirty="0" err="1" smtClean="0">
+                <a:solidFill>
+                  <a:srgbClr val="C00000"/>
+                </a:solidFill>
+              </a:rPr>
+              <a:t>select</a:t>
+            </a:r>
+            <a:r>
+              <a:rPr lang="en-US" sz="2800" dirty="0" smtClean="0">
+                <a:solidFill>
+                  <a:srgbClr val="C00000"/>
+                </a:solidFill>
+              </a:rPr>
+              <a:t>(‘div &gt; </a:t>
+            </a:r>
+            <a:r>
+              <a:rPr lang="en-US" sz="2800" dirty="0" err="1" smtClean="0">
+                <a:solidFill>
+                  <a:srgbClr val="C00000"/>
+                </a:solidFill>
+              </a:rPr>
+              <a:t>ol.list</a:t>
+            </a:r>
+            <a:r>
+              <a:rPr lang="en-US" sz="2800" dirty="0" smtClean="0">
+                <a:solidFill>
+                  <a:srgbClr val="C00000"/>
+                </a:solidFill>
+              </a:rPr>
+              <a:t>’)</a:t>
+            </a:r>
+          </a:p>
+        </p:txBody>
+      </p:sp>
+    </p:spTree>
+    <p:extLst>
+      <p:ext uri="{BB962C8B-B14F-4D97-AF65-F5344CB8AC3E}">
+        <p14:creationId xmlns:p14="http://schemas.microsoft.com/office/powerpoint/2010/main" val="1407205685"/>
+      </p:ext>
+    </p:extLst>
+  </p:cSld>
+  <p:clrMapOvr>
+    <a:masterClrMapping/>
+  </p:clrMapOvr>
+</p:sld>
+</file>
+
+<file path=ppt/slides/slide24.xml><?xml version="1.0" encoding="utf-8"?>
+<p:sld xmlns:a="http://schemas.openxmlformats.org/drawingml/2006/main" xmlns:r="http://schemas.openxmlformats.org/officeDocument/2006/relationships" xmlns:p="http://schemas.openxmlformats.org/presentationml/2006/main">
+  <p:cSld>
+    <p:spTree>
+      <p:nvGrpSpPr>
+        <p:cNvPr id="1" name=""/>
+        <p:cNvGrpSpPr/>
+        <p:nvPr/>
+      </p:nvGrpSpPr>
+      <p:grpSpPr>
+        <a:xfrm>
+          <a:off x="0" y="0"/>
+          <a:ext cx="0" cy="0"/>
+          <a:chOff x="0" y="0"/>
+          <a:chExt cx="0" cy="0"/>
+        </a:xfrm>
+      </p:grpSpPr>
+      <p:sp>
+        <p:nvSpPr>
+          <p:cNvPr id="4" name="TextBox 3"/>
+          <p:cNvSpPr txBox="1"/>
+          <p:nvPr/>
+        </p:nvSpPr>
+        <p:spPr>
+          <a:xfrm>
+            <a:off x="743093" y="866275"/>
+            <a:ext cx="10558668" cy="3877985"/>
+          </a:xfrm>
+          <a:prstGeom prst="rect">
+            <a:avLst/>
+          </a:prstGeom>
+          <a:noFill/>
+        </p:spPr>
+        <p:txBody>
+          <a:bodyPr wrap="square" rtlCol="0">
+            <a:spAutoFit/>
+          </a:bodyPr>
+          <a:lstStyle/>
+          <a:p>
+            <a:r>
+              <a:rPr lang="en-US" sz="4400" b="1" dirty="0"/>
+              <a:t>Data Extraction Methods</a:t>
+            </a:r>
+          </a:p>
+          <a:p>
+            <a:endParaRPr lang="en-US" sz="2400" b="1" dirty="0"/>
+          </a:p>
+          <a:p>
+            <a:r>
+              <a:rPr lang="en-US" sz="3600" b="1" dirty="0" smtClean="0"/>
+              <a:t>.</a:t>
+            </a:r>
+            <a:r>
+              <a:rPr lang="en-US" sz="3600" b="1" dirty="0" err="1" smtClean="0"/>
+              <a:t>select_one</a:t>
+            </a:r>
+            <a:r>
+              <a:rPr lang="en-US" sz="3600" b="1" dirty="0" smtClean="0"/>
+              <a:t>() </a:t>
+            </a:r>
+            <a:r>
+              <a:rPr lang="en-US" sz="3600" dirty="0" smtClean="0"/>
+              <a:t>– extract the </a:t>
+            </a:r>
+            <a:r>
+              <a:rPr lang="en-US" sz="3600" u="sng" dirty="0" smtClean="0"/>
+              <a:t>first</a:t>
+            </a:r>
+            <a:r>
+              <a:rPr lang="en-US" sz="3600" dirty="0" smtClean="0"/>
+              <a:t> element that matches a given CSS selector</a:t>
+            </a:r>
+            <a:endParaRPr lang="en-US" sz="3600" u="sng" dirty="0"/>
+          </a:p>
+          <a:p>
+            <a:endParaRPr lang="en-US" sz="1400" dirty="0"/>
+          </a:p>
+          <a:p>
+            <a:r>
+              <a:rPr lang="en-US" sz="3600" dirty="0"/>
+              <a:t>Example</a:t>
+            </a:r>
+            <a:r>
+              <a:rPr lang="en-US" sz="3600" dirty="0" smtClean="0"/>
+              <a:t>:</a:t>
+            </a:r>
+          </a:p>
+          <a:p>
+            <a:r>
+              <a:rPr lang="en-US" sz="2800" dirty="0" err="1" smtClean="0">
+                <a:solidFill>
+                  <a:srgbClr val="C00000"/>
+                </a:solidFill>
+              </a:rPr>
+              <a:t>soup.</a:t>
+            </a:r>
+            <a:r>
+              <a:rPr lang="en-US" sz="2800" b="1" dirty="0" err="1" smtClean="0">
+                <a:solidFill>
+                  <a:srgbClr val="C00000"/>
+                </a:solidFill>
+              </a:rPr>
+              <a:t>select_one</a:t>
+            </a:r>
+            <a:r>
+              <a:rPr lang="en-US" sz="2800" dirty="0" smtClean="0">
+                <a:solidFill>
+                  <a:srgbClr val="C00000"/>
+                </a:solidFill>
+              </a:rPr>
+              <a:t>(‘</a:t>
+            </a:r>
+            <a:r>
+              <a:rPr lang="en-US" sz="2800" dirty="0" err="1" smtClean="0">
+                <a:solidFill>
+                  <a:srgbClr val="C00000"/>
+                </a:solidFill>
+              </a:rPr>
+              <a:t>div.panels</a:t>
+            </a:r>
+            <a:r>
+              <a:rPr lang="en-US" sz="2800" dirty="0" smtClean="0">
+                <a:solidFill>
+                  <a:srgbClr val="C00000"/>
+                </a:solidFill>
+              </a:rPr>
+              <a:t> p’)</a:t>
+            </a:r>
+          </a:p>
+          <a:p>
+            <a:r>
+              <a:rPr lang="en-US" sz="2800" dirty="0" err="1" smtClean="0">
+                <a:solidFill>
+                  <a:srgbClr val="C00000"/>
+                </a:solidFill>
+              </a:rPr>
+              <a:t>soup.</a:t>
+            </a:r>
+            <a:r>
+              <a:rPr lang="en-US" sz="2800" b="1" dirty="0" err="1" smtClean="0">
+                <a:solidFill>
+                  <a:srgbClr val="C00000"/>
+                </a:solidFill>
+              </a:rPr>
+              <a:t>select_one</a:t>
+            </a:r>
+            <a:r>
+              <a:rPr lang="en-US" sz="2800" dirty="0" smtClean="0">
+                <a:solidFill>
+                  <a:srgbClr val="C00000"/>
+                </a:solidFill>
+              </a:rPr>
+              <a:t>(‘</a:t>
+            </a:r>
+            <a:r>
+              <a:rPr lang="en-US" sz="2800" dirty="0" err="1" smtClean="0">
+                <a:solidFill>
+                  <a:srgbClr val="C00000"/>
+                </a:solidFill>
+              </a:rPr>
+              <a:t>div.header</a:t>
+            </a:r>
+            <a:r>
+              <a:rPr lang="en-US" sz="2800" dirty="0" smtClean="0">
+                <a:solidFill>
+                  <a:srgbClr val="C00000"/>
+                </a:solidFill>
+              </a:rPr>
+              <a:t> &gt; </a:t>
+            </a:r>
+            <a:r>
+              <a:rPr lang="en-US" sz="2800" dirty="0" err="1" smtClean="0">
+                <a:solidFill>
+                  <a:srgbClr val="C00000"/>
+                </a:solidFill>
+              </a:rPr>
+              <a:t>ol.list</a:t>
+            </a:r>
+            <a:r>
+              <a:rPr lang="en-US" sz="2800" dirty="0" smtClean="0">
+                <a:solidFill>
+                  <a:srgbClr val="C00000"/>
+                </a:solidFill>
+              </a:rPr>
+              <a:t>’)</a:t>
+            </a:r>
+          </a:p>
+        </p:txBody>
+      </p:sp>
+    </p:spTree>
+    <p:extLst>
+      <p:ext uri="{BB962C8B-B14F-4D97-AF65-F5344CB8AC3E}">
+        <p14:creationId xmlns:p14="http://schemas.microsoft.com/office/powerpoint/2010/main" val="1354783411"/>
+      </p:ext>
+    </p:extLst>
+  </p:cSld>
+  <p:clrMapOvr>
+    <a:masterClrMapping/>
+  </p:clrMapOvr>
+</p:sld>
+</file>
+
+<file path=ppt/slides/slide25.xml><?xml version="1.0" encoding="utf-8"?>
+<p:sld xmlns:a="http://schemas.openxmlformats.org/drawingml/2006/main" xmlns:r="http://schemas.openxmlformats.org/officeDocument/2006/relationships" xmlns:p="http://schemas.openxmlformats.org/presentationml/2006/main">
+  <p:cSld>
+    <p:spTree>
+      <p:nvGrpSpPr>
+        <p:cNvPr id="1" name=""/>
+        <p:cNvGrpSpPr/>
+        <p:nvPr/>
+      </p:nvGrpSpPr>
+      <p:grpSpPr>
+        <a:xfrm>
+          <a:off x="0" y="0"/>
+          <a:ext cx="0" cy="0"/>
+          <a:chOff x="0" y="0"/>
+          <a:chExt cx="0" cy="0"/>
+        </a:xfrm>
+      </p:grpSpPr>
+      <p:sp>
+        <p:nvSpPr>
+          <p:cNvPr id="4" name="TextBox 3"/>
+          <p:cNvSpPr txBox="1"/>
+          <p:nvPr/>
+        </p:nvSpPr>
+        <p:spPr>
+          <a:xfrm>
+            <a:off x="743093" y="866275"/>
+            <a:ext cx="10558668" cy="4431983"/>
+          </a:xfrm>
+          <a:prstGeom prst="rect">
+            <a:avLst/>
+          </a:prstGeom>
+          <a:noFill/>
+        </p:spPr>
+        <p:txBody>
+          <a:bodyPr wrap="square" rtlCol="0">
+            <a:spAutoFit/>
+          </a:bodyPr>
+          <a:lstStyle/>
+          <a:p>
+            <a:r>
+              <a:rPr lang="en-US" sz="4400" b="1" dirty="0"/>
+              <a:t>Data Extraction Methods</a:t>
+            </a:r>
+          </a:p>
+          <a:p>
+            <a:endParaRPr lang="en-US" sz="2400" b="1" dirty="0"/>
+          </a:p>
+          <a:p>
+            <a:r>
+              <a:rPr lang="en-US" sz="3600" b="1" dirty="0" smtClean="0"/>
+              <a:t>.children() </a:t>
+            </a:r>
+            <a:r>
+              <a:rPr lang="en-US" sz="3600" dirty="0" smtClean="0"/>
+              <a:t>– iterator for </a:t>
+            </a:r>
+            <a:r>
+              <a:rPr lang="en-US" sz="3600" u="sng" dirty="0" smtClean="0"/>
+              <a:t>immediate children </a:t>
+            </a:r>
+            <a:r>
+              <a:rPr lang="en-US" sz="3600" dirty="0" smtClean="0"/>
+              <a:t>of a tag</a:t>
+            </a:r>
+            <a:endParaRPr lang="en-US" sz="3600" u="sng" dirty="0"/>
+          </a:p>
+          <a:p>
+            <a:endParaRPr lang="en-US" sz="1400" dirty="0"/>
+          </a:p>
+          <a:p>
+            <a:r>
+              <a:rPr lang="en-US" sz="3600" dirty="0"/>
+              <a:t>Example</a:t>
+            </a:r>
+            <a:r>
+              <a:rPr lang="en-US" sz="3600" dirty="0" smtClean="0"/>
+              <a:t>:</a:t>
+            </a:r>
+          </a:p>
+          <a:p>
+            <a:r>
+              <a:rPr lang="en-US" sz="2800" dirty="0" err="1" smtClean="0">
+                <a:solidFill>
+                  <a:srgbClr val="C00000"/>
+                </a:solidFill>
+              </a:rPr>
+              <a:t>div_main</a:t>
+            </a:r>
+            <a:r>
+              <a:rPr lang="en-US" sz="2800" dirty="0" smtClean="0">
+                <a:solidFill>
+                  <a:srgbClr val="C00000"/>
+                </a:solidFill>
+              </a:rPr>
+              <a:t> = </a:t>
+            </a:r>
+            <a:r>
+              <a:rPr lang="en-US" sz="2800" dirty="0" err="1" smtClean="0">
+                <a:solidFill>
+                  <a:srgbClr val="C00000"/>
+                </a:solidFill>
+              </a:rPr>
+              <a:t>soup.find</a:t>
+            </a:r>
+            <a:r>
+              <a:rPr lang="en-US" sz="2800" dirty="0" smtClean="0">
+                <a:solidFill>
+                  <a:srgbClr val="C00000"/>
+                </a:solidFill>
+              </a:rPr>
+              <a:t>(‘div’, id = ‘main’)</a:t>
+            </a:r>
+          </a:p>
+          <a:p>
+            <a:endParaRPr lang="en-US" sz="2000" dirty="0">
+              <a:solidFill>
+                <a:srgbClr val="C00000"/>
+              </a:solidFill>
+            </a:endParaRPr>
+          </a:p>
+          <a:p>
+            <a:r>
+              <a:rPr lang="en-US" sz="2800" dirty="0" smtClean="0">
+                <a:solidFill>
+                  <a:srgbClr val="C00000"/>
+                </a:solidFill>
+              </a:rPr>
+              <a:t>for child in </a:t>
+            </a:r>
+            <a:r>
+              <a:rPr lang="en-US" sz="2800" dirty="0" err="1" smtClean="0">
+                <a:solidFill>
+                  <a:srgbClr val="C00000"/>
+                </a:solidFill>
+              </a:rPr>
+              <a:t>div_main.</a:t>
+            </a:r>
+            <a:r>
+              <a:rPr lang="en-US" sz="2800" b="1" dirty="0" err="1" smtClean="0">
+                <a:solidFill>
+                  <a:srgbClr val="C00000"/>
+                </a:solidFill>
+              </a:rPr>
+              <a:t>children</a:t>
+            </a:r>
+            <a:r>
+              <a:rPr lang="en-US" sz="2800" dirty="0">
+                <a:solidFill>
+                  <a:srgbClr val="C00000"/>
+                </a:solidFill>
+              </a:rPr>
+              <a:t>:</a:t>
+            </a:r>
+            <a:endParaRPr lang="en-US" sz="2800" dirty="0" smtClean="0">
+              <a:solidFill>
+                <a:srgbClr val="C00000"/>
+              </a:solidFill>
+            </a:endParaRPr>
+          </a:p>
+          <a:p>
+            <a:endParaRPr lang="en-US" sz="2000" dirty="0">
+              <a:solidFill>
+                <a:srgbClr val="C00000"/>
+              </a:solidFill>
+            </a:endParaRPr>
+          </a:p>
+          <a:p>
+            <a:r>
+              <a:rPr lang="en-US" sz="2800" dirty="0">
+                <a:solidFill>
+                  <a:srgbClr val="C00000"/>
+                </a:solidFill>
+              </a:rPr>
+              <a:t> </a:t>
+            </a:r>
+            <a:r>
+              <a:rPr lang="en-US" sz="2800" dirty="0" smtClean="0">
+                <a:solidFill>
+                  <a:srgbClr val="C00000"/>
+                </a:solidFill>
+              </a:rPr>
+              <a:t>   // code here</a:t>
+            </a:r>
+            <a:endParaRPr lang="en-US" sz="2800" dirty="0">
+              <a:solidFill>
+                <a:srgbClr val="C00000"/>
+              </a:solidFill>
+            </a:endParaRPr>
+          </a:p>
+        </p:txBody>
+      </p:sp>
+    </p:spTree>
+    <p:extLst>
+      <p:ext uri="{BB962C8B-B14F-4D97-AF65-F5344CB8AC3E}">
+        <p14:creationId xmlns:p14="http://schemas.microsoft.com/office/powerpoint/2010/main" val="2493159659"/>
+      </p:ext>
+    </p:extLst>
+  </p:cSld>
+  <p:clrMapOvr>
+    <a:masterClrMapping/>
+  </p:clrMapOvr>
+</p:sld>
+</file>
+
+<file path=ppt/slides/slide26.xml><?xml version="1.0" encoding="utf-8"?>
+<p:sld xmlns:a="http://schemas.openxmlformats.org/drawingml/2006/main" xmlns:r="http://schemas.openxmlformats.org/officeDocument/2006/relationships" xmlns:p="http://schemas.openxmlformats.org/presentationml/2006/main">
+  <p:cSld>
+    <p:spTree>
+      <p:nvGrpSpPr>
+        <p:cNvPr id="1" name=""/>
+        <p:cNvGrpSpPr/>
+        <p:nvPr/>
+      </p:nvGrpSpPr>
+      <p:grpSpPr>
+        <a:xfrm>
+          <a:off x="0" y="0"/>
+          <a:ext cx="0" cy="0"/>
+          <a:chOff x="0" y="0"/>
+          <a:chExt cx="0" cy="0"/>
+        </a:xfrm>
+      </p:grpSpPr>
+      <p:sp>
+        <p:nvSpPr>
+          <p:cNvPr id="4" name="TextBox 3"/>
+          <p:cNvSpPr txBox="1"/>
+          <p:nvPr/>
+        </p:nvSpPr>
+        <p:spPr>
+          <a:xfrm>
+            <a:off x="743093" y="866275"/>
+            <a:ext cx="10558668" cy="4924425"/>
+          </a:xfrm>
+          <a:prstGeom prst="rect">
+            <a:avLst/>
+          </a:prstGeom>
+          <a:noFill/>
+        </p:spPr>
+        <p:txBody>
+          <a:bodyPr wrap="square" rtlCol="0">
+            <a:spAutoFit/>
+          </a:bodyPr>
+          <a:lstStyle/>
+          <a:p>
+            <a:r>
+              <a:rPr lang="en-US" sz="4400" b="1" dirty="0"/>
+              <a:t>Data Extraction Methods</a:t>
+            </a:r>
+          </a:p>
+          <a:p>
+            <a:endParaRPr lang="en-US" sz="2400" b="1" dirty="0"/>
+          </a:p>
+          <a:p>
+            <a:r>
+              <a:rPr lang="en-US" sz="3600" b="1" dirty="0" smtClean="0"/>
+              <a:t>.descendants() </a:t>
+            </a:r>
+            <a:r>
+              <a:rPr lang="en-US" sz="3600" dirty="0" smtClean="0"/>
+              <a:t>– iterator for </a:t>
+            </a:r>
+            <a:r>
+              <a:rPr lang="en-US" sz="3600" u="sng" dirty="0" smtClean="0"/>
+              <a:t>all descendants</a:t>
+            </a:r>
+            <a:r>
+              <a:rPr lang="en-US" sz="3600" dirty="0" smtClean="0"/>
+              <a:t> (children, grandchildren, etc.) of a tag</a:t>
+            </a:r>
+            <a:endParaRPr lang="en-US" sz="3600" u="sng" dirty="0"/>
+          </a:p>
+          <a:p>
+            <a:endParaRPr lang="en-US" sz="1400" dirty="0"/>
+          </a:p>
+          <a:p>
+            <a:r>
+              <a:rPr lang="en-US" sz="3600" dirty="0"/>
+              <a:t>Example</a:t>
+            </a:r>
+            <a:r>
+              <a:rPr lang="en-US" sz="3600" dirty="0" smtClean="0"/>
+              <a:t>:</a:t>
+            </a:r>
+          </a:p>
+          <a:p>
+            <a:r>
+              <a:rPr lang="en-US" sz="2800" dirty="0" err="1" smtClean="0">
+                <a:solidFill>
+                  <a:srgbClr val="C00000"/>
+                </a:solidFill>
+              </a:rPr>
+              <a:t>div_main</a:t>
+            </a:r>
+            <a:r>
+              <a:rPr lang="en-US" sz="2800" dirty="0" smtClean="0">
+                <a:solidFill>
+                  <a:srgbClr val="C00000"/>
+                </a:solidFill>
+              </a:rPr>
+              <a:t> = </a:t>
+            </a:r>
+            <a:r>
+              <a:rPr lang="en-US" sz="2800" dirty="0" err="1" smtClean="0">
+                <a:solidFill>
+                  <a:srgbClr val="C00000"/>
+                </a:solidFill>
+              </a:rPr>
+              <a:t>soup.find</a:t>
+            </a:r>
+            <a:r>
+              <a:rPr lang="en-US" sz="2800" dirty="0" smtClean="0">
+                <a:solidFill>
+                  <a:srgbClr val="C00000"/>
+                </a:solidFill>
+              </a:rPr>
+              <a:t>(‘div’, id = ‘main’)</a:t>
+            </a:r>
+          </a:p>
+          <a:p>
+            <a:endParaRPr lang="en-US" sz="2000" dirty="0">
+              <a:solidFill>
+                <a:srgbClr val="C00000"/>
+              </a:solidFill>
+            </a:endParaRPr>
+          </a:p>
+          <a:p>
+            <a:r>
+              <a:rPr lang="en-US" sz="2800" dirty="0" smtClean="0">
+                <a:solidFill>
+                  <a:srgbClr val="C00000"/>
+                </a:solidFill>
+              </a:rPr>
+              <a:t>for child in </a:t>
+            </a:r>
+            <a:r>
+              <a:rPr lang="en-US" sz="2800" dirty="0" err="1" smtClean="0">
+                <a:solidFill>
+                  <a:srgbClr val="C00000"/>
+                </a:solidFill>
+              </a:rPr>
+              <a:t>div_main.</a:t>
+            </a:r>
+            <a:r>
+              <a:rPr lang="en-US" sz="2800" b="1" dirty="0" err="1" smtClean="0">
+                <a:solidFill>
+                  <a:srgbClr val="C00000"/>
+                </a:solidFill>
+              </a:rPr>
+              <a:t>descendants</a:t>
+            </a:r>
+            <a:r>
+              <a:rPr lang="en-US" sz="2800" dirty="0" smtClean="0">
+                <a:solidFill>
+                  <a:srgbClr val="C00000"/>
+                </a:solidFill>
+              </a:rPr>
+              <a:t>:</a:t>
+            </a:r>
+          </a:p>
+          <a:p>
+            <a:endParaRPr lang="en-US" sz="2000" dirty="0">
+              <a:solidFill>
+                <a:srgbClr val="C00000"/>
+              </a:solidFill>
+            </a:endParaRPr>
+          </a:p>
+          <a:p>
+            <a:r>
+              <a:rPr lang="en-US" sz="2800" dirty="0">
+                <a:solidFill>
+                  <a:srgbClr val="C00000"/>
+                </a:solidFill>
+              </a:rPr>
+              <a:t> </a:t>
+            </a:r>
+            <a:r>
+              <a:rPr lang="en-US" sz="2800" dirty="0" smtClean="0">
+                <a:solidFill>
+                  <a:srgbClr val="C00000"/>
+                </a:solidFill>
+              </a:rPr>
+              <a:t>   // code here</a:t>
+            </a:r>
+            <a:endParaRPr lang="en-US" sz="2800" dirty="0">
+              <a:solidFill>
+                <a:srgbClr val="C00000"/>
+              </a:solidFill>
+            </a:endParaRPr>
+          </a:p>
+        </p:txBody>
+      </p:sp>
+    </p:spTree>
+    <p:extLst>
+      <p:ext uri="{BB962C8B-B14F-4D97-AF65-F5344CB8AC3E}">
+        <p14:creationId xmlns:p14="http://schemas.microsoft.com/office/powerpoint/2010/main" val="1394635188"/>
+      </p:ext>
+    </p:extLst>
+  </p:cSld>
+  <p:clrMapOvr>
+    <a:masterClrMapping/>
+  </p:clrMapOvr>
+</p:sld>
+</file>
+
+<file path=ppt/slides/slide27.xml><?xml version="1.0" encoding="utf-8"?>
+<p:sld xmlns:a="http://schemas.openxmlformats.org/drawingml/2006/main" xmlns:r="http://schemas.openxmlformats.org/officeDocument/2006/relationships" xmlns:p="http://schemas.openxmlformats.org/presentationml/2006/main">
+  <p:cSld>
+    <p:spTree>
+      <p:nvGrpSpPr>
+        <p:cNvPr id="1" name=""/>
+        <p:cNvGrpSpPr/>
+        <p:nvPr/>
+      </p:nvGrpSpPr>
+      <p:grpSpPr>
+        <a:xfrm>
+          <a:off x="0" y="0"/>
+          <a:ext cx="0" cy="0"/>
+          <a:chOff x="0" y="0"/>
+          <a:chExt cx="0" cy="0"/>
+        </a:xfrm>
+      </p:grpSpPr>
+      <p:sp>
+        <p:nvSpPr>
+          <p:cNvPr id="4" name="TextBox 3"/>
+          <p:cNvSpPr txBox="1"/>
+          <p:nvPr/>
+        </p:nvSpPr>
+        <p:spPr>
+          <a:xfrm>
+            <a:off x="743093" y="866275"/>
+            <a:ext cx="10558668" cy="3877985"/>
+          </a:xfrm>
+          <a:prstGeom prst="rect">
+            <a:avLst/>
+          </a:prstGeom>
+          <a:noFill/>
+        </p:spPr>
+        <p:txBody>
+          <a:bodyPr wrap="square" rtlCol="0">
+            <a:spAutoFit/>
+          </a:bodyPr>
+          <a:lstStyle/>
+          <a:p>
+            <a:r>
+              <a:rPr lang="en-US" sz="4400" b="1" dirty="0"/>
+              <a:t>Data Extraction Methods</a:t>
+            </a:r>
+          </a:p>
+          <a:p>
+            <a:endParaRPr lang="en-US" sz="2400" b="1" dirty="0"/>
+          </a:p>
+          <a:p>
+            <a:r>
+              <a:rPr lang="en-US" sz="3600" b="1" dirty="0" smtClean="0"/>
+              <a:t>.</a:t>
+            </a:r>
+            <a:r>
+              <a:rPr lang="en-US" sz="3600" b="1" dirty="0" err="1" smtClean="0"/>
+              <a:t>find_next_sibling</a:t>
+            </a:r>
+            <a:r>
+              <a:rPr lang="en-US" sz="3600" b="1" dirty="0" smtClean="0"/>
+              <a:t>() </a:t>
+            </a:r>
+            <a:r>
+              <a:rPr lang="en-US" sz="3600" dirty="0" smtClean="0"/>
+              <a:t>– navigate to </a:t>
+            </a:r>
+            <a:r>
+              <a:rPr lang="en-US" sz="3600" u="sng" dirty="0" smtClean="0"/>
+              <a:t>adjacent elements</a:t>
+            </a:r>
+            <a:r>
+              <a:rPr lang="en-US" sz="3600" dirty="0" smtClean="0"/>
+              <a:t> at the same hierarchical level</a:t>
+            </a:r>
+            <a:endParaRPr lang="en-US" sz="3600" u="sng" dirty="0"/>
+          </a:p>
+          <a:p>
+            <a:endParaRPr lang="en-US" sz="1400" dirty="0"/>
+          </a:p>
+          <a:p>
+            <a:r>
+              <a:rPr lang="en-US" sz="3600" dirty="0"/>
+              <a:t>Example</a:t>
+            </a:r>
+            <a:r>
+              <a:rPr lang="en-US" sz="3600" dirty="0" smtClean="0"/>
+              <a:t>:</a:t>
+            </a:r>
+          </a:p>
+          <a:p>
+            <a:r>
+              <a:rPr lang="en-US" sz="2800" dirty="0" err="1" smtClean="0">
+                <a:solidFill>
+                  <a:srgbClr val="C00000"/>
+                </a:solidFill>
+              </a:rPr>
+              <a:t>first_p</a:t>
+            </a:r>
+            <a:r>
+              <a:rPr lang="en-US" sz="2800" dirty="0" smtClean="0">
+                <a:solidFill>
+                  <a:srgbClr val="C00000"/>
+                </a:solidFill>
+              </a:rPr>
+              <a:t> = </a:t>
+            </a:r>
+            <a:r>
+              <a:rPr lang="en-US" sz="2800" dirty="0" err="1" smtClean="0">
+                <a:solidFill>
+                  <a:srgbClr val="C00000"/>
+                </a:solidFill>
+              </a:rPr>
+              <a:t>soup.find</a:t>
+            </a:r>
+            <a:r>
+              <a:rPr lang="en-US" sz="2800" dirty="0" smtClean="0">
+                <a:solidFill>
+                  <a:srgbClr val="C00000"/>
+                </a:solidFill>
+              </a:rPr>
+              <a:t>(‘p’)</a:t>
+            </a:r>
+          </a:p>
+          <a:p>
+            <a:r>
+              <a:rPr lang="en-US" sz="2800" dirty="0" err="1" smtClean="0">
+                <a:solidFill>
+                  <a:srgbClr val="C00000"/>
+                </a:solidFill>
+              </a:rPr>
+              <a:t>next_p</a:t>
+            </a:r>
+            <a:r>
+              <a:rPr lang="en-US" sz="2800" dirty="0" smtClean="0">
+                <a:solidFill>
+                  <a:srgbClr val="C00000"/>
+                </a:solidFill>
+              </a:rPr>
+              <a:t> = </a:t>
+            </a:r>
+            <a:r>
+              <a:rPr lang="en-US" sz="2800" dirty="0" err="1" smtClean="0">
+                <a:solidFill>
+                  <a:srgbClr val="C00000"/>
+                </a:solidFill>
+              </a:rPr>
+              <a:t>first_p.</a:t>
+            </a:r>
+            <a:r>
+              <a:rPr lang="en-US" sz="2800" b="1" dirty="0" err="1" smtClean="0">
+                <a:solidFill>
+                  <a:srgbClr val="C00000"/>
+                </a:solidFill>
+              </a:rPr>
+              <a:t>find_next_sibling</a:t>
+            </a:r>
+            <a:r>
+              <a:rPr lang="en-US" sz="2800" dirty="0" smtClean="0">
+                <a:solidFill>
+                  <a:srgbClr val="C00000"/>
+                </a:solidFill>
+              </a:rPr>
+              <a:t>(‘p’)</a:t>
+            </a:r>
+          </a:p>
+        </p:txBody>
+      </p:sp>
+    </p:spTree>
+    <p:extLst>
+      <p:ext uri="{BB962C8B-B14F-4D97-AF65-F5344CB8AC3E}">
+        <p14:creationId xmlns:p14="http://schemas.microsoft.com/office/powerpoint/2010/main" val="982090842"/>
+      </p:ext>
+    </p:extLst>
+  </p:cSld>
+  <p:clrMapOvr>
+    <a:masterClrMapping/>
+  </p:clrMapOvr>
+</p:sld>
+</file>
+
+<file path=ppt/slides/slide28.xml><?xml version="1.0" encoding="utf-8"?>
+<p:sld xmlns:a="http://schemas.openxmlformats.org/drawingml/2006/main" xmlns:r="http://schemas.openxmlformats.org/officeDocument/2006/relationships" xmlns:p="http://schemas.openxmlformats.org/presentationml/2006/main">
+  <p:cSld>
+    <p:spTree>
+      <p:nvGrpSpPr>
+        <p:cNvPr id="1" name=""/>
+        <p:cNvGrpSpPr/>
+        <p:nvPr/>
+      </p:nvGrpSpPr>
+      <p:grpSpPr>
+        <a:xfrm>
+          <a:off x="0" y="0"/>
+          <a:ext cx="0" cy="0"/>
+          <a:chOff x="0" y="0"/>
+          <a:chExt cx="0" cy="0"/>
+        </a:xfrm>
+      </p:grpSpPr>
+      <p:sp>
+        <p:nvSpPr>
+          <p:cNvPr id="4" name="TextBox 3"/>
+          <p:cNvSpPr txBox="1"/>
+          <p:nvPr/>
+        </p:nvSpPr>
+        <p:spPr>
+          <a:xfrm>
+            <a:off x="743093" y="866275"/>
+            <a:ext cx="10558668" cy="3877985"/>
+          </a:xfrm>
+          <a:prstGeom prst="rect">
+            <a:avLst/>
+          </a:prstGeom>
+          <a:noFill/>
+        </p:spPr>
+        <p:txBody>
+          <a:bodyPr wrap="square" rtlCol="0">
+            <a:spAutoFit/>
+          </a:bodyPr>
+          <a:lstStyle/>
+          <a:p>
+            <a:r>
+              <a:rPr lang="en-US" sz="4400" b="1" dirty="0"/>
+              <a:t>Data Extraction Methods</a:t>
+            </a:r>
+          </a:p>
+          <a:p>
+            <a:endParaRPr lang="en-US" sz="2400" b="1" dirty="0"/>
+          </a:p>
+          <a:p>
+            <a:r>
+              <a:rPr lang="en-US" sz="3600" b="1" dirty="0" smtClean="0"/>
+              <a:t>.</a:t>
+            </a:r>
+            <a:r>
+              <a:rPr lang="en-US" sz="3600" b="1" dirty="0" err="1" smtClean="0"/>
+              <a:t>find_previous_sibling</a:t>
+            </a:r>
+            <a:r>
+              <a:rPr lang="en-US" sz="3600" b="1" dirty="0" smtClean="0"/>
+              <a:t>() </a:t>
+            </a:r>
+            <a:r>
+              <a:rPr lang="en-US" sz="3600" dirty="0" smtClean="0"/>
+              <a:t>– navigate to </a:t>
+            </a:r>
+            <a:r>
+              <a:rPr lang="en-US" sz="3600" u="sng" dirty="0" smtClean="0"/>
+              <a:t>adjacent elements</a:t>
+            </a:r>
+            <a:r>
+              <a:rPr lang="en-US" sz="3600" dirty="0" smtClean="0"/>
+              <a:t> at the same hierarchical level</a:t>
+            </a:r>
+            <a:endParaRPr lang="en-US" sz="3600" u="sng" dirty="0"/>
+          </a:p>
+          <a:p>
+            <a:endParaRPr lang="en-US" sz="1400" dirty="0"/>
+          </a:p>
+          <a:p>
+            <a:r>
+              <a:rPr lang="en-US" sz="3600" dirty="0"/>
+              <a:t>Example</a:t>
+            </a:r>
+            <a:r>
+              <a:rPr lang="en-US" sz="3600" dirty="0" smtClean="0"/>
+              <a:t>:</a:t>
+            </a:r>
+          </a:p>
+          <a:p>
+            <a:r>
+              <a:rPr lang="en-US" sz="2800" dirty="0" err="1" smtClean="0">
+                <a:solidFill>
+                  <a:srgbClr val="C00000"/>
+                </a:solidFill>
+              </a:rPr>
+              <a:t>first_p</a:t>
+            </a:r>
+            <a:r>
+              <a:rPr lang="en-US" sz="2800" dirty="0" smtClean="0">
+                <a:solidFill>
+                  <a:srgbClr val="C00000"/>
+                </a:solidFill>
+              </a:rPr>
+              <a:t> = </a:t>
+            </a:r>
+            <a:r>
+              <a:rPr lang="en-US" sz="2800" dirty="0" err="1" smtClean="0">
+                <a:solidFill>
+                  <a:srgbClr val="C00000"/>
+                </a:solidFill>
+              </a:rPr>
+              <a:t>soup.find</a:t>
+            </a:r>
+            <a:r>
+              <a:rPr lang="en-US" sz="2800" dirty="0" smtClean="0">
+                <a:solidFill>
+                  <a:srgbClr val="C00000"/>
+                </a:solidFill>
+              </a:rPr>
+              <a:t>(‘p’)</a:t>
+            </a:r>
+          </a:p>
+          <a:p>
+            <a:r>
+              <a:rPr lang="en-US" sz="2800" dirty="0" err="1" smtClean="0">
+                <a:solidFill>
+                  <a:srgbClr val="C00000"/>
+                </a:solidFill>
+              </a:rPr>
+              <a:t>previous_p</a:t>
+            </a:r>
+            <a:r>
+              <a:rPr lang="en-US" sz="2800" dirty="0" smtClean="0">
+                <a:solidFill>
+                  <a:srgbClr val="C00000"/>
+                </a:solidFill>
+              </a:rPr>
+              <a:t> = </a:t>
+            </a:r>
+            <a:r>
+              <a:rPr lang="en-US" sz="2800" dirty="0" err="1" smtClean="0">
+                <a:solidFill>
+                  <a:srgbClr val="C00000"/>
+                </a:solidFill>
+              </a:rPr>
+              <a:t>first_p.</a:t>
+            </a:r>
+            <a:r>
+              <a:rPr lang="en-US" sz="2800" b="1" dirty="0" err="1" smtClean="0">
+                <a:solidFill>
+                  <a:srgbClr val="C00000"/>
+                </a:solidFill>
+              </a:rPr>
+              <a:t>find_previous_sibling</a:t>
+            </a:r>
+            <a:r>
+              <a:rPr lang="en-US" sz="2800" dirty="0" smtClean="0">
+                <a:solidFill>
+                  <a:srgbClr val="C00000"/>
+                </a:solidFill>
+              </a:rPr>
+              <a:t>(‘p’)</a:t>
+            </a:r>
+          </a:p>
+        </p:txBody>
+      </p:sp>
+    </p:spTree>
+    <p:extLst>
+      <p:ext uri="{BB962C8B-B14F-4D97-AF65-F5344CB8AC3E}">
+        <p14:creationId xmlns:p14="http://schemas.microsoft.com/office/powerpoint/2010/main" val="4046707544"/>
+      </p:ext>
+    </p:extLst>
+  </p:cSld>
+  <p:clrMapOvr>
+    <a:masterClrMapping/>
+  </p:clrMapOvr>
+</p:sld>
+</file>
+
+<file path=ppt/slides/slide29.xml><?xml version="1.0" encoding="utf-8"?>
+<p:sld xmlns:a="http://schemas.openxmlformats.org/drawingml/2006/main" xmlns:r="http://schemas.openxmlformats.org/officeDocument/2006/relationships" xmlns:p="http://schemas.openxmlformats.org/presentationml/2006/main">
+  <p:cSld>
+    <p:spTree>
+      <p:nvGrpSpPr>
+        <p:cNvPr id="1" name=""/>
+        <p:cNvGrpSpPr/>
+        <p:nvPr/>
+      </p:nvGrpSpPr>
+      <p:grpSpPr>
+        <a:xfrm>
+          <a:off x="0" y="0"/>
+          <a:ext cx="0" cy="0"/>
+          <a:chOff x="0" y="0"/>
+          <a:chExt cx="0" cy="0"/>
+        </a:xfrm>
+      </p:grpSpPr>
+      <p:sp>
+        <p:nvSpPr>
+          <p:cNvPr id="4" name="TextBox 3"/>
+          <p:cNvSpPr txBox="1"/>
+          <p:nvPr/>
+        </p:nvSpPr>
+        <p:spPr>
+          <a:xfrm>
+            <a:off x="743093" y="866275"/>
+            <a:ext cx="10558668" cy="5170646"/>
+          </a:xfrm>
+          <a:prstGeom prst="rect">
+            <a:avLst/>
+          </a:prstGeom>
+          <a:noFill/>
+        </p:spPr>
+        <p:txBody>
+          <a:bodyPr wrap="square" rtlCol="0">
+            <a:spAutoFit/>
+          </a:bodyPr>
+          <a:lstStyle/>
+          <a:p>
+            <a:r>
+              <a:rPr lang="en-US" sz="4400" b="1" dirty="0"/>
+              <a:t>Data Extraction Methods</a:t>
+            </a:r>
+          </a:p>
+          <a:p>
+            <a:endParaRPr lang="en-US" sz="2400" b="1" dirty="0"/>
+          </a:p>
+          <a:p>
+            <a:r>
+              <a:rPr lang="en-US" sz="3600" b="1" dirty="0" smtClean="0"/>
+              <a:t>.</a:t>
+            </a:r>
+            <a:r>
+              <a:rPr lang="en-US" sz="3600" b="1" dirty="0" err="1" smtClean="0"/>
+              <a:t>get_text</a:t>
+            </a:r>
+            <a:r>
+              <a:rPr lang="en-US" sz="3600" b="1" dirty="0" smtClean="0"/>
+              <a:t>() </a:t>
+            </a:r>
+            <a:r>
+              <a:rPr lang="en-US" sz="3600" dirty="0" smtClean="0"/>
+              <a:t>– </a:t>
+            </a:r>
+            <a:r>
+              <a:rPr lang="en-US" sz="3600" u="sng" dirty="0" smtClean="0"/>
+              <a:t>retrieve all the text within a tag</a:t>
+            </a:r>
+            <a:r>
+              <a:rPr lang="en-US" sz="3600" dirty="0" smtClean="0"/>
+              <a:t>, stripping away the HTML tags</a:t>
+            </a:r>
+            <a:endParaRPr lang="en-US" sz="3600" u="sng" dirty="0"/>
+          </a:p>
+          <a:p>
+            <a:endParaRPr lang="en-US" sz="1400" dirty="0"/>
+          </a:p>
+          <a:p>
+            <a:r>
+              <a:rPr lang="en-US" sz="3600" dirty="0"/>
+              <a:t>Example</a:t>
+            </a:r>
+            <a:r>
+              <a:rPr lang="en-US" sz="3600" dirty="0" smtClean="0"/>
+              <a:t>:</a:t>
+            </a:r>
+          </a:p>
+          <a:p>
+            <a:r>
+              <a:rPr lang="en-US" sz="2800" dirty="0" err="1">
+                <a:solidFill>
+                  <a:srgbClr val="C00000"/>
+                </a:solidFill>
+              </a:rPr>
+              <a:t>p_tag</a:t>
+            </a:r>
+            <a:r>
+              <a:rPr lang="en-US" sz="2800" dirty="0">
+                <a:solidFill>
+                  <a:srgbClr val="C00000"/>
+                </a:solidFill>
+              </a:rPr>
+              <a:t> = </a:t>
+            </a:r>
+            <a:r>
+              <a:rPr lang="en-US" sz="2800" dirty="0" err="1">
+                <a:solidFill>
+                  <a:srgbClr val="C00000"/>
+                </a:solidFill>
+              </a:rPr>
+              <a:t>soup.find</a:t>
+            </a:r>
+            <a:r>
+              <a:rPr lang="en-US" sz="2800" dirty="0">
+                <a:solidFill>
+                  <a:srgbClr val="C00000"/>
+                </a:solidFill>
+              </a:rPr>
+              <a:t>(‘</a:t>
+            </a:r>
+            <a:r>
+              <a:rPr lang="en-US" sz="2800" dirty="0" smtClean="0">
+                <a:solidFill>
+                  <a:srgbClr val="C00000"/>
+                </a:solidFill>
+              </a:rPr>
+              <a:t>p’)</a:t>
+            </a:r>
+            <a:endParaRPr lang="en-US" sz="2800" dirty="0">
+              <a:solidFill>
+                <a:srgbClr val="C00000"/>
+              </a:solidFill>
+            </a:endParaRPr>
+          </a:p>
+          <a:p>
+            <a:r>
+              <a:rPr lang="en-US" sz="2800" dirty="0" err="1">
+                <a:solidFill>
+                  <a:srgbClr val="C00000"/>
+                </a:solidFill>
+              </a:rPr>
+              <a:t>p_text</a:t>
+            </a:r>
+            <a:r>
+              <a:rPr lang="en-US" sz="2800" dirty="0">
+                <a:solidFill>
+                  <a:srgbClr val="C00000"/>
+                </a:solidFill>
+              </a:rPr>
+              <a:t> = </a:t>
+            </a:r>
+            <a:r>
+              <a:rPr lang="en-US" sz="2800" dirty="0" err="1">
+                <a:solidFill>
+                  <a:srgbClr val="C00000"/>
+                </a:solidFill>
+              </a:rPr>
+              <a:t>p_tag.</a:t>
+            </a:r>
+            <a:r>
+              <a:rPr lang="en-US" sz="2800" b="1" dirty="0" err="1">
+                <a:solidFill>
+                  <a:srgbClr val="C00000"/>
+                </a:solidFill>
+              </a:rPr>
+              <a:t>get_text</a:t>
+            </a:r>
+            <a:r>
+              <a:rPr lang="en-US" sz="2800" dirty="0" smtClean="0">
+                <a:solidFill>
+                  <a:srgbClr val="C00000"/>
+                </a:solidFill>
+              </a:rPr>
+              <a:t>()</a:t>
+            </a:r>
+            <a:endParaRPr lang="en-US" sz="2800" dirty="0">
+              <a:solidFill>
+                <a:srgbClr val="C00000"/>
+              </a:solidFill>
+            </a:endParaRPr>
+          </a:p>
+          <a:p>
+            <a:endParaRPr lang="en-US" sz="2800" dirty="0" smtClean="0">
+              <a:solidFill>
+                <a:srgbClr val="C00000"/>
+              </a:solidFill>
+            </a:endParaRPr>
+          </a:p>
+          <a:p>
+            <a:r>
+              <a:rPr lang="en-US" sz="2800" b="1" dirty="0" smtClean="0">
+                <a:solidFill>
+                  <a:srgbClr val="C00000"/>
+                </a:solidFill>
+              </a:rPr>
+              <a:t>.</a:t>
+            </a:r>
+            <a:r>
+              <a:rPr lang="en-US" sz="2800" b="1" dirty="0" err="1" smtClean="0">
+                <a:solidFill>
+                  <a:srgbClr val="C00000"/>
+                </a:solidFill>
+              </a:rPr>
+              <a:t>get_text</a:t>
+            </a:r>
+            <a:r>
+              <a:rPr lang="en-US" sz="2800" dirty="0" smtClean="0">
+                <a:solidFill>
+                  <a:srgbClr val="C00000"/>
+                </a:solidFill>
+              </a:rPr>
+              <a:t>(‘separator = “ “, strip = True)</a:t>
+            </a:r>
+          </a:p>
+          <a:p>
+            <a:r>
+              <a:rPr lang="en-US" sz="2800" dirty="0" smtClean="0"/>
+              <a:t>extract text, joining content with a space &amp; removing extra whitespace</a:t>
+            </a:r>
+          </a:p>
+        </p:txBody>
+      </p:sp>
+    </p:spTree>
+    <p:extLst>
+      <p:ext uri="{BB962C8B-B14F-4D97-AF65-F5344CB8AC3E}">
+        <p14:creationId xmlns:p14="http://schemas.microsoft.com/office/powerpoint/2010/main" val="3596450485"/>
+      </p:ext>
+    </p:extLst>
+  </p:cSld>
+  <p:clrMapOvr>
+    <a:masterClrMapping/>
+  </p:clrMapOvr>
+</p:sld>
+</file>
+
 <file path=ppt/slides/slide3.xml><?xml version="1.0" encoding="utf-8"?>
 <p:sld xmlns:a="http://schemas.openxmlformats.org/drawingml/2006/main" xmlns:r="http://schemas.openxmlformats.org/officeDocument/2006/relationships" xmlns:p="http://schemas.openxmlformats.org/presentationml/2006/main">
   <p:cSld>
@@ -5235,6 +7757,534 @@
     <p:extLst>
       <p:ext uri="{BB962C8B-B14F-4D97-AF65-F5344CB8AC3E}">
         <p14:creationId xmlns:p14="http://schemas.microsoft.com/office/powerpoint/2010/main" val="874253970"/>
+      </p:ext>
+    </p:extLst>
+  </p:cSld>
+  <p:clrMapOvr>
+    <a:masterClrMapping/>
+  </p:clrMapOvr>
+</p:sld>
+</file>
+
+<file path=ppt/slides/slide30.xml><?xml version="1.0" encoding="utf-8"?>
+<p:sld xmlns:a="http://schemas.openxmlformats.org/drawingml/2006/main" xmlns:r="http://schemas.openxmlformats.org/officeDocument/2006/relationships" xmlns:p="http://schemas.openxmlformats.org/presentationml/2006/main">
+  <p:cSld>
+    <p:spTree>
+      <p:nvGrpSpPr>
+        <p:cNvPr id="1" name=""/>
+        <p:cNvGrpSpPr/>
+        <p:nvPr/>
+      </p:nvGrpSpPr>
+      <p:grpSpPr>
+        <a:xfrm>
+          <a:off x="0" y="0"/>
+          <a:ext cx="0" cy="0"/>
+          <a:chOff x="0" y="0"/>
+          <a:chExt cx="0" cy="0"/>
+        </a:xfrm>
+      </p:grpSpPr>
+      <p:sp>
+        <p:nvSpPr>
+          <p:cNvPr id="4" name="TextBox 3"/>
+          <p:cNvSpPr txBox="1"/>
+          <p:nvPr/>
+        </p:nvSpPr>
+        <p:spPr>
+          <a:xfrm>
+            <a:off x="743093" y="866275"/>
+            <a:ext cx="10558668" cy="3877985"/>
+          </a:xfrm>
+          <a:prstGeom prst="rect">
+            <a:avLst/>
+          </a:prstGeom>
+          <a:noFill/>
+        </p:spPr>
+        <p:txBody>
+          <a:bodyPr wrap="square" rtlCol="0">
+            <a:spAutoFit/>
+          </a:bodyPr>
+          <a:lstStyle/>
+          <a:p>
+            <a:r>
+              <a:rPr lang="en-US" sz="4400" b="1" dirty="0"/>
+              <a:t>Data Extraction Methods</a:t>
+            </a:r>
+          </a:p>
+          <a:p>
+            <a:endParaRPr lang="en-US" sz="2400" b="1" dirty="0"/>
+          </a:p>
+          <a:p>
+            <a:r>
+              <a:rPr lang="en-US" sz="3600" b="1" dirty="0" smtClean="0"/>
+              <a:t>.</a:t>
+            </a:r>
+            <a:r>
+              <a:rPr lang="en-US" sz="3600" b="1" dirty="0" err="1" smtClean="0"/>
+              <a:t>attrs</a:t>
+            </a:r>
+            <a:r>
+              <a:rPr lang="en-US" sz="3600" b="1" dirty="0" smtClean="0"/>
+              <a:t> </a:t>
+            </a:r>
+            <a:r>
+              <a:rPr lang="en-US" sz="3600" dirty="0" smtClean="0"/>
+              <a:t>– returns a dictionary of all attributes for a given tag.</a:t>
+            </a:r>
+            <a:endParaRPr lang="en-US" sz="3600" u="sng" dirty="0"/>
+          </a:p>
+          <a:p>
+            <a:endParaRPr lang="en-US" sz="1400" dirty="0"/>
+          </a:p>
+          <a:p>
+            <a:r>
+              <a:rPr lang="en-US" sz="3600" dirty="0"/>
+              <a:t>Example</a:t>
+            </a:r>
+            <a:r>
+              <a:rPr lang="en-US" sz="3600" dirty="0" smtClean="0"/>
+              <a:t>:</a:t>
+            </a:r>
+          </a:p>
+          <a:p>
+            <a:r>
+              <a:rPr lang="en-US" sz="2800" dirty="0" err="1" smtClean="0">
+                <a:solidFill>
+                  <a:srgbClr val="C00000"/>
+                </a:solidFill>
+              </a:rPr>
+              <a:t>div_tag</a:t>
+            </a:r>
+            <a:r>
+              <a:rPr lang="en-US" sz="2800" dirty="0" smtClean="0">
+                <a:solidFill>
+                  <a:srgbClr val="C00000"/>
+                </a:solidFill>
+              </a:rPr>
+              <a:t> = </a:t>
+            </a:r>
+            <a:r>
+              <a:rPr lang="en-US" sz="2800" dirty="0" err="1" smtClean="0">
+                <a:solidFill>
+                  <a:srgbClr val="C00000"/>
+                </a:solidFill>
+              </a:rPr>
+              <a:t>soup.find</a:t>
+            </a:r>
+            <a:r>
+              <a:rPr lang="en-US" sz="2800" dirty="0" smtClean="0">
+                <a:solidFill>
+                  <a:srgbClr val="C00000"/>
+                </a:solidFill>
+              </a:rPr>
+              <a:t>(‘div’, id = ‘main’)</a:t>
+            </a:r>
+            <a:endParaRPr lang="en-US" sz="2800" dirty="0">
+              <a:solidFill>
+                <a:srgbClr val="C00000"/>
+              </a:solidFill>
+            </a:endParaRPr>
+          </a:p>
+          <a:p>
+            <a:r>
+              <a:rPr lang="en-US" sz="2800" dirty="0" err="1" smtClean="0">
+                <a:solidFill>
+                  <a:srgbClr val="C00000"/>
+                </a:solidFill>
+              </a:rPr>
+              <a:t>div_tag.</a:t>
+            </a:r>
+            <a:r>
+              <a:rPr lang="en-US" sz="2800" b="1" dirty="0" err="1" smtClean="0">
+                <a:solidFill>
+                  <a:srgbClr val="C00000"/>
+                </a:solidFill>
+              </a:rPr>
+              <a:t>attrs</a:t>
+            </a:r>
+            <a:endParaRPr lang="en-US" sz="2800" b="1" dirty="0">
+              <a:solidFill>
+                <a:srgbClr val="C00000"/>
+              </a:solidFill>
+            </a:endParaRPr>
+          </a:p>
+        </p:txBody>
+      </p:sp>
+    </p:spTree>
+    <p:extLst>
+      <p:ext uri="{BB962C8B-B14F-4D97-AF65-F5344CB8AC3E}">
+        <p14:creationId xmlns:p14="http://schemas.microsoft.com/office/powerpoint/2010/main" val="1787861938"/>
+      </p:ext>
+    </p:extLst>
+  </p:cSld>
+  <p:clrMapOvr>
+    <a:masterClrMapping/>
+  </p:clrMapOvr>
+</p:sld>
+</file>
+
+<file path=ppt/slides/slide31.xml><?xml version="1.0" encoding="utf-8"?>
+<p:sld xmlns:a="http://schemas.openxmlformats.org/drawingml/2006/main" xmlns:r="http://schemas.openxmlformats.org/officeDocument/2006/relationships" xmlns:p="http://schemas.openxmlformats.org/presentationml/2006/main">
+  <p:cSld>
+    <p:spTree>
+      <p:nvGrpSpPr>
+        <p:cNvPr id="1" name=""/>
+        <p:cNvGrpSpPr/>
+        <p:nvPr/>
+      </p:nvGrpSpPr>
+      <p:grpSpPr>
+        <a:xfrm>
+          <a:off x="0" y="0"/>
+          <a:ext cx="0" cy="0"/>
+          <a:chOff x="0" y="0"/>
+          <a:chExt cx="0" cy="0"/>
+        </a:xfrm>
+      </p:grpSpPr>
+      <p:sp>
+        <p:nvSpPr>
+          <p:cNvPr id="4" name="TextBox 3"/>
+          <p:cNvSpPr txBox="1"/>
+          <p:nvPr/>
+        </p:nvSpPr>
+        <p:spPr>
+          <a:xfrm>
+            <a:off x="743093" y="866275"/>
+            <a:ext cx="10558668" cy="4308872"/>
+          </a:xfrm>
+          <a:prstGeom prst="rect">
+            <a:avLst/>
+          </a:prstGeom>
+          <a:noFill/>
+        </p:spPr>
+        <p:txBody>
+          <a:bodyPr wrap="square" rtlCol="0">
+            <a:spAutoFit/>
+          </a:bodyPr>
+          <a:lstStyle/>
+          <a:p>
+            <a:r>
+              <a:rPr lang="en-US" sz="4400" b="1" dirty="0"/>
+              <a:t>Data Extraction Methods</a:t>
+            </a:r>
+          </a:p>
+          <a:p>
+            <a:endParaRPr lang="en-US" sz="2400" b="1" dirty="0"/>
+          </a:p>
+          <a:p>
+            <a:r>
+              <a:rPr lang="en-US" sz="3600" b="1" dirty="0" smtClean="0"/>
+              <a:t>.get </a:t>
+            </a:r>
+            <a:r>
+              <a:rPr lang="en-US" sz="3600" dirty="0" smtClean="0"/>
+              <a:t>– retrieves the value of a specific attribute from a tag</a:t>
+            </a:r>
+            <a:endParaRPr lang="en-US" sz="3600" u="sng" dirty="0"/>
+          </a:p>
+          <a:p>
+            <a:endParaRPr lang="en-US" sz="1400" dirty="0"/>
+          </a:p>
+          <a:p>
+            <a:r>
+              <a:rPr lang="en-US" sz="3600" dirty="0"/>
+              <a:t>Example</a:t>
+            </a:r>
+            <a:r>
+              <a:rPr lang="en-US" sz="3600" dirty="0" smtClean="0"/>
+              <a:t>:</a:t>
+            </a:r>
+          </a:p>
+          <a:p>
+            <a:r>
+              <a:rPr lang="en-US" sz="2800" dirty="0" err="1" smtClean="0">
+                <a:solidFill>
+                  <a:srgbClr val="C00000"/>
+                </a:solidFill>
+              </a:rPr>
+              <a:t>div_id</a:t>
+            </a:r>
+            <a:r>
+              <a:rPr lang="en-US" sz="2800" dirty="0" smtClean="0">
+                <a:solidFill>
+                  <a:srgbClr val="C00000"/>
+                </a:solidFill>
+              </a:rPr>
+              <a:t> = </a:t>
+            </a:r>
+            <a:r>
+              <a:rPr lang="en-US" sz="2800" dirty="0" err="1" smtClean="0">
+                <a:solidFill>
+                  <a:srgbClr val="C00000"/>
+                </a:solidFill>
+              </a:rPr>
+              <a:t>div_tag.</a:t>
+            </a:r>
+            <a:r>
+              <a:rPr lang="en-US" sz="2800" b="1" dirty="0" err="1" smtClean="0">
+                <a:solidFill>
+                  <a:srgbClr val="C00000"/>
+                </a:solidFill>
+              </a:rPr>
+              <a:t>get</a:t>
+            </a:r>
+            <a:r>
+              <a:rPr lang="en-US" sz="2800" dirty="0" smtClean="0">
+                <a:solidFill>
+                  <a:srgbClr val="C00000"/>
+                </a:solidFill>
+              </a:rPr>
+              <a:t>(‘id’)</a:t>
+            </a:r>
+          </a:p>
+          <a:p>
+            <a:r>
+              <a:rPr lang="en-US" sz="2800" dirty="0" err="1" smtClean="0">
+                <a:solidFill>
+                  <a:srgbClr val="C00000"/>
+                </a:solidFill>
+              </a:rPr>
+              <a:t>div_class</a:t>
+            </a:r>
+            <a:r>
+              <a:rPr lang="en-US" sz="2800" dirty="0" smtClean="0">
+                <a:solidFill>
+                  <a:srgbClr val="C00000"/>
+                </a:solidFill>
+              </a:rPr>
+              <a:t> </a:t>
+            </a:r>
+            <a:r>
+              <a:rPr lang="en-US" sz="2800" dirty="0">
+                <a:solidFill>
+                  <a:srgbClr val="C00000"/>
+                </a:solidFill>
+              </a:rPr>
+              <a:t>= </a:t>
+            </a:r>
+            <a:r>
+              <a:rPr lang="en-US" sz="2800" dirty="0" err="1">
+                <a:solidFill>
+                  <a:srgbClr val="C00000"/>
+                </a:solidFill>
+              </a:rPr>
+              <a:t>div_tag.</a:t>
+            </a:r>
+            <a:r>
+              <a:rPr lang="en-US" sz="2800" b="1" dirty="0" err="1">
+                <a:solidFill>
+                  <a:srgbClr val="C00000"/>
+                </a:solidFill>
+              </a:rPr>
+              <a:t>get</a:t>
+            </a:r>
+            <a:r>
+              <a:rPr lang="en-US" sz="2800" dirty="0" smtClean="0">
+                <a:solidFill>
+                  <a:srgbClr val="C00000"/>
+                </a:solidFill>
+              </a:rPr>
+              <a:t>(‘class’)</a:t>
+            </a:r>
+            <a:endParaRPr lang="en-US" sz="2800" b="1" dirty="0">
+              <a:solidFill>
+                <a:srgbClr val="C00000"/>
+              </a:solidFill>
+            </a:endParaRPr>
+          </a:p>
+          <a:p>
+            <a:r>
+              <a:rPr lang="en-PH" sz="2800" dirty="0" err="1">
+                <a:solidFill>
+                  <a:srgbClr val="C00000"/>
+                </a:solidFill>
+              </a:rPr>
+              <a:t>div_data_info</a:t>
+            </a:r>
+            <a:r>
+              <a:rPr lang="en-PH" sz="2800" dirty="0">
+                <a:solidFill>
+                  <a:srgbClr val="C00000"/>
+                </a:solidFill>
+              </a:rPr>
+              <a:t> = </a:t>
+            </a:r>
+            <a:r>
+              <a:rPr lang="en-PH" sz="2800" dirty="0" err="1" smtClean="0">
+                <a:solidFill>
+                  <a:srgbClr val="C00000"/>
+                </a:solidFill>
+              </a:rPr>
+              <a:t>div_tag.</a:t>
+            </a:r>
+            <a:r>
+              <a:rPr lang="en-PH" sz="2800" b="1" dirty="0" err="1" smtClean="0">
+                <a:solidFill>
+                  <a:srgbClr val="C00000"/>
+                </a:solidFill>
+              </a:rPr>
+              <a:t>get</a:t>
+            </a:r>
+            <a:r>
+              <a:rPr lang="en-PH" sz="2800" dirty="0" smtClean="0">
+                <a:solidFill>
+                  <a:srgbClr val="C00000"/>
+                </a:solidFill>
+              </a:rPr>
+              <a:t>(‘data-info’)</a:t>
+            </a:r>
+          </a:p>
+        </p:txBody>
+      </p:sp>
+    </p:spTree>
+    <p:extLst>
+      <p:ext uri="{BB962C8B-B14F-4D97-AF65-F5344CB8AC3E}">
+        <p14:creationId xmlns:p14="http://schemas.microsoft.com/office/powerpoint/2010/main" val="912740863"/>
+      </p:ext>
+    </p:extLst>
+  </p:cSld>
+  <p:clrMapOvr>
+    <a:masterClrMapping/>
+  </p:clrMapOvr>
+</p:sld>
+</file>
+
+<file path=ppt/slides/slide32.xml><?xml version="1.0" encoding="utf-8"?>
+<p:sld xmlns:a="http://schemas.openxmlformats.org/drawingml/2006/main" xmlns:r="http://schemas.openxmlformats.org/officeDocument/2006/relationships" xmlns:p="http://schemas.openxmlformats.org/presentationml/2006/main">
+  <p:cSld>
+    <p:spTree>
+      <p:nvGrpSpPr>
+        <p:cNvPr id="1" name=""/>
+        <p:cNvGrpSpPr/>
+        <p:nvPr/>
+      </p:nvGrpSpPr>
+      <p:grpSpPr>
+        <a:xfrm>
+          <a:off x="0" y="0"/>
+          <a:ext cx="0" cy="0"/>
+          <a:chOff x="0" y="0"/>
+          <a:chExt cx="0" cy="0"/>
+        </a:xfrm>
+      </p:grpSpPr>
+      <p:sp>
+        <p:nvSpPr>
+          <p:cNvPr id="6" name="TextBox 5"/>
+          <p:cNvSpPr txBox="1"/>
+          <p:nvPr/>
+        </p:nvSpPr>
+        <p:spPr>
+          <a:xfrm>
+            <a:off x="721364" y="2562078"/>
+            <a:ext cx="10749281" cy="769441"/>
+          </a:xfrm>
+          <a:prstGeom prst="rect">
+            <a:avLst/>
+          </a:prstGeom>
+          <a:noFill/>
+        </p:spPr>
+        <p:txBody>
+          <a:bodyPr wrap="square" rtlCol="0">
+            <a:spAutoFit/>
+          </a:bodyPr>
+          <a:lstStyle/>
+          <a:p>
+            <a:pPr algn="ctr"/>
+            <a:r>
+              <a:rPr lang="en-US" sz="4400" b="1" dirty="0" smtClean="0">
+                <a:latin typeface="Arial" pitchFamily="34" charset="0"/>
+                <a:cs typeface="Arial" pitchFamily="34" charset="0"/>
+              </a:rPr>
+              <a:t>[Web Scraping End-to-End Process]</a:t>
+            </a:r>
+            <a:endParaRPr lang="en-US" sz="2800" b="1" dirty="0">
+              <a:solidFill>
+                <a:schemeClr val="accent2"/>
+              </a:solidFill>
+              <a:latin typeface="Arial" pitchFamily="34" charset="0"/>
+              <a:cs typeface="Arial" pitchFamily="34" charset="0"/>
+            </a:endParaRPr>
+          </a:p>
+        </p:txBody>
+      </p:sp>
+    </p:spTree>
+    <p:extLst>
+      <p:ext uri="{BB962C8B-B14F-4D97-AF65-F5344CB8AC3E}">
+        <p14:creationId xmlns:p14="http://schemas.microsoft.com/office/powerpoint/2010/main" val="1237728439"/>
+      </p:ext>
+    </p:extLst>
+  </p:cSld>
+  <p:clrMapOvr>
+    <a:masterClrMapping/>
+  </p:clrMapOvr>
+</p:sld>
+</file>
+
+<file path=ppt/slides/slide33.xml><?xml version="1.0" encoding="utf-8"?>
+<p:sld xmlns:a="http://schemas.openxmlformats.org/drawingml/2006/main" xmlns:r="http://schemas.openxmlformats.org/officeDocument/2006/relationships" xmlns:p="http://schemas.openxmlformats.org/presentationml/2006/main">
+  <p:cSld>
+    <p:spTree>
+      <p:nvGrpSpPr>
+        <p:cNvPr id="1" name=""/>
+        <p:cNvGrpSpPr/>
+        <p:nvPr/>
+      </p:nvGrpSpPr>
+      <p:grpSpPr>
+        <a:xfrm>
+          <a:off x="0" y="0"/>
+          <a:ext cx="0" cy="0"/>
+          <a:chOff x="0" y="0"/>
+          <a:chExt cx="0" cy="0"/>
+        </a:xfrm>
+      </p:grpSpPr>
+      <p:sp>
+        <p:nvSpPr>
+          <p:cNvPr id="6" name="TextBox 5"/>
+          <p:cNvSpPr txBox="1"/>
+          <p:nvPr/>
+        </p:nvSpPr>
+        <p:spPr>
+          <a:xfrm>
+            <a:off x="721364" y="2562078"/>
+            <a:ext cx="10749281" cy="830997"/>
+          </a:xfrm>
+          <a:prstGeom prst="rect">
+            <a:avLst/>
+          </a:prstGeom>
+          <a:noFill/>
+        </p:spPr>
+        <p:txBody>
+          <a:bodyPr wrap="square" rtlCol="0">
+            <a:spAutoFit/>
+          </a:bodyPr>
+          <a:lstStyle/>
+          <a:p>
+            <a:pPr algn="ctr"/>
+            <a:r>
+              <a:rPr lang="en-US" sz="4800" b="1" dirty="0">
+                <a:latin typeface="Arial" pitchFamily="34" charset="0"/>
+                <a:cs typeface="Arial" pitchFamily="34" charset="0"/>
+              </a:rPr>
+              <a:t>Thank you very much for listening</a:t>
+            </a:r>
+            <a:r>
+              <a:rPr lang="en-US" sz="3200" b="1" dirty="0">
+                <a:latin typeface="Arial" pitchFamily="34" charset="0"/>
+                <a:cs typeface="Arial" pitchFamily="34" charset="0"/>
+              </a:rPr>
+              <a:t>.</a:t>
+            </a:r>
+            <a:endParaRPr lang="en-US" sz="3200" b="1" dirty="0">
+              <a:solidFill>
+                <a:schemeClr val="accent2"/>
+              </a:solidFill>
+              <a:latin typeface="Arial" pitchFamily="34" charset="0"/>
+              <a:cs typeface="Arial" pitchFamily="34" charset="0"/>
+            </a:endParaRPr>
+          </a:p>
+        </p:txBody>
+      </p:sp>
+    </p:spTree>
+    <p:extLst>
+      <p:ext uri="{BB962C8B-B14F-4D97-AF65-F5344CB8AC3E}">
+        <p14:creationId xmlns:p14="http://schemas.microsoft.com/office/powerpoint/2010/main" val="1328378833"/>
       </p:ext>
     </p:extLst>
   </p:cSld>
@@ -6312,7 +9362,7 @@
   <a:extraClrSchemeLst/>
   <a:extLst>
     <a:ext uri="{05A4C25C-085E-4340-85A3-A5531E510DB2}">
-      <thm15:themeFamily xmlns:thm15="http://schemas.microsoft.com/office/thememl/2012/main" name="Office Theme" id="{62F939B6-93AF-4DB8-9C6B-D6C7DFDC589F}" vid="{4A3C46E8-61CC-4603-A589-7422A47A8E4A}"/>
+      <thm15:themeFamily xmlns="" xmlns:thm15="http://schemas.microsoft.com/office/thememl/2012/main" name="Office Theme" id="{62F939B6-93AF-4DB8-9C6B-D6C7DFDC589F}" vid="{4A3C46E8-61CC-4603-A589-7422A47A8E4A}"/>
     </a:ext>
   </a:extLst>
 </a:theme>
